--- a/엘라스틱서치실무가이드/ref/프레젠테이션1.pptx
+++ b/엘라스틱서치실무가이드/ref/프레젠테이션1.pptx
@@ -197,7 +197,7 @@
           <a:p>
             <a:fld id="{6EFB9663-FF57-2D4B-979B-6F4E7F2F0ECA}" type="datetimeFigureOut">
               <a:rPr kumimoji="1" lang="ko-Kore-KR" altLang="en-US" smtClean="0"/>
-              <a:t>2021. 5. 21.</a:t>
+              <a:t>2022. 4. 11.</a:t>
             </a:fld>
             <a:endParaRPr kumimoji="1" lang="ko-Kore-KR" altLang="en-US"/>
           </a:p>
@@ -680,7 +680,7 @@
           <a:p>
             <a:fld id="{3083E1A9-A397-4745-BD5D-6E8E767939EE}" type="datetimeFigureOut">
               <a:rPr kumimoji="1" lang="ko-Kore-KR" altLang="en-US" smtClean="0"/>
-              <a:t>2021. 5. 21.</a:t>
+              <a:t>2022. 4. 11.</a:t>
             </a:fld>
             <a:endParaRPr kumimoji="1" lang="ko-Kore-KR" altLang="en-US"/>
           </a:p>
@@ -850,7 +850,7 @@
           <a:p>
             <a:fld id="{3083E1A9-A397-4745-BD5D-6E8E767939EE}" type="datetimeFigureOut">
               <a:rPr kumimoji="1" lang="ko-Kore-KR" altLang="en-US" smtClean="0"/>
-              <a:t>2021. 5. 21.</a:t>
+              <a:t>2022. 4. 11.</a:t>
             </a:fld>
             <a:endParaRPr kumimoji="1" lang="ko-Kore-KR" altLang="en-US"/>
           </a:p>
@@ -1030,7 +1030,7 @@
           <a:p>
             <a:fld id="{3083E1A9-A397-4745-BD5D-6E8E767939EE}" type="datetimeFigureOut">
               <a:rPr kumimoji="1" lang="ko-Kore-KR" altLang="en-US" smtClean="0"/>
-              <a:t>2021. 5. 21.</a:t>
+              <a:t>2022. 4. 11.</a:t>
             </a:fld>
             <a:endParaRPr kumimoji="1" lang="ko-Kore-KR" altLang="en-US"/>
           </a:p>
@@ -1200,7 +1200,7 @@
           <a:p>
             <a:fld id="{3083E1A9-A397-4745-BD5D-6E8E767939EE}" type="datetimeFigureOut">
               <a:rPr kumimoji="1" lang="ko-Kore-KR" altLang="en-US" smtClean="0"/>
-              <a:t>2021. 5. 21.</a:t>
+              <a:t>2022. 4. 11.</a:t>
             </a:fld>
             <a:endParaRPr kumimoji="1" lang="ko-Kore-KR" altLang="en-US"/>
           </a:p>
@@ -1446,7 +1446,7 @@
           <a:p>
             <a:fld id="{3083E1A9-A397-4745-BD5D-6E8E767939EE}" type="datetimeFigureOut">
               <a:rPr kumimoji="1" lang="ko-Kore-KR" altLang="en-US" smtClean="0"/>
-              <a:t>2021. 5. 21.</a:t>
+              <a:t>2022. 4. 11.</a:t>
             </a:fld>
             <a:endParaRPr kumimoji="1" lang="ko-Kore-KR" altLang="en-US"/>
           </a:p>
@@ -1678,7 +1678,7 @@
           <a:p>
             <a:fld id="{3083E1A9-A397-4745-BD5D-6E8E767939EE}" type="datetimeFigureOut">
               <a:rPr kumimoji="1" lang="ko-Kore-KR" altLang="en-US" smtClean="0"/>
-              <a:t>2021. 5. 21.</a:t>
+              <a:t>2022. 4. 11.</a:t>
             </a:fld>
             <a:endParaRPr kumimoji="1" lang="ko-Kore-KR" altLang="en-US"/>
           </a:p>
@@ -2045,7 +2045,7 @@
           <a:p>
             <a:fld id="{3083E1A9-A397-4745-BD5D-6E8E767939EE}" type="datetimeFigureOut">
               <a:rPr kumimoji="1" lang="ko-Kore-KR" altLang="en-US" smtClean="0"/>
-              <a:t>2021. 5. 21.</a:t>
+              <a:t>2022. 4. 11.</a:t>
             </a:fld>
             <a:endParaRPr kumimoji="1" lang="ko-Kore-KR" altLang="en-US"/>
           </a:p>
@@ -2163,7 +2163,7 @@
           <a:p>
             <a:fld id="{3083E1A9-A397-4745-BD5D-6E8E767939EE}" type="datetimeFigureOut">
               <a:rPr kumimoji="1" lang="ko-Kore-KR" altLang="en-US" smtClean="0"/>
-              <a:t>2021. 5. 21.</a:t>
+              <a:t>2022. 4. 11.</a:t>
             </a:fld>
             <a:endParaRPr kumimoji="1" lang="ko-Kore-KR" altLang="en-US"/>
           </a:p>
@@ -2258,7 +2258,7 @@
           <a:p>
             <a:fld id="{3083E1A9-A397-4745-BD5D-6E8E767939EE}" type="datetimeFigureOut">
               <a:rPr kumimoji="1" lang="ko-Kore-KR" altLang="en-US" smtClean="0"/>
-              <a:t>2021. 5. 21.</a:t>
+              <a:t>2022. 4. 11.</a:t>
             </a:fld>
             <a:endParaRPr kumimoji="1" lang="ko-Kore-KR" altLang="en-US"/>
           </a:p>
@@ -2535,7 +2535,7 @@
           <a:p>
             <a:fld id="{3083E1A9-A397-4745-BD5D-6E8E767939EE}" type="datetimeFigureOut">
               <a:rPr kumimoji="1" lang="ko-Kore-KR" altLang="en-US" smtClean="0"/>
-              <a:t>2021. 5. 21.</a:t>
+              <a:t>2022. 4. 11.</a:t>
             </a:fld>
             <a:endParaRPr kumimoji="1" lang="ko-Kore-KR" altLang="en-US"/>
           </a:p>
@@ -2792,7 +2792,7 @@
           <a:p>
             <a:fld id="{3083E1A9-A397-4745-BD5D-6E8E767939EE}" type="datetimeFigureOut">
               <a:rPr kumimoji="1" lang="ko-Kore-KR" altLang="en-US" smtClean="0"/>
-              <a:t>2021. 5. 21.</a:t>
+              <a:t>2022. 4. 11.</a:t>
             </a:fld>
             <a:endParaRPr kumimoji="1" lang="ko-Kore-KR" altLang="en-US"/>
           </a:p>
@@ -3005,7 +3005,7 @@
           <a:p>
             <a:fld id="{3083E1A9-A397-4745-BD5D-6E8E767939EE}" type="datetimeFigureOut">
               <a:rPr kumimoji="1" lang="ko-Kore-KR" altLang="en-US" smtClean="0"/>
-              <a:t>2021. 5. 21.</a:t>
+              <a:t>2022. 4. 11.</a:t>
             </a:fld>
             <a:endParaRPr kumimoji="1" lang="ko-Kore-KR" altLang="en-US"/>
           </a:p>

--- a/엘라스틱서치실무가이드/ref/프레젠테이션1.pptx
+++ b/엘라스틱서치실무가이드/ref/프레젠테이션1.pptx
@@ -5,10 +5,13 @@
     <p:sldMasterId id="2147483672" r:id="rId1"/>
   </p:sldMasterIdLst>
   <p:notesMasterIdLst>
-    <p:notesMasterId r:id="rId3"/>
+    <p:notesMasterId r:id="rId6"/>
   </p:notesMasterIdLst>
   <p:sldIdLst>
     <p:sldId id="259" r:id="rId2"/>
+    <p:sldId id="260" r:id="rId3"/>
+    <p:sldId id="261" r:id="rId4"/>
+    <p:sldId id="262" r:id="rId5"/>
   </p:sldIdLst>
   <p:sldSz cx="12192000" cy="6858000"/>
   <p:notesSz cx="6858000" cy="9144000"/>
@@ -197,7 +200,7 @@
           <a:p>
             <a:fld id="{6EFB9663-FF57-2D4B-979B-6F4E7F2F0ECA}" type="datetimeFigureOut">
               <a:rPr kumimoji="1" lang="ko-Kore-KR" altLang="en-US" smtClean="0"/>
-              <a:t>2022. 4. 11.</a:t>
+              <a:t>2022. 7. 27.</a:t>
             </a:fld>
             <a:endParaRPr kumimoji="1" lang="ko-Kore-KR" altLang="en-US"/>
           </a:p>
@@ -549,6 +552,258 @@
 </p:notes>
 </file>
 
+<file path=ppt/notesSlides/notesSlide2.xml><?xml version="1.0" encoding="utf-8"?>
+<p:notes xmlns:a="http://schemas.openxmlformats.org/drawingml/2006/main" xmlns:r="http://schemas.openxmlformats.org/officeDocument/2006/relationships" xmlns:p="http://schemas.openxmlformats.org/presentationml/2006/main">
+  <p:cSld>
+    <p:spTree>
+      <p:nvGrpSpPr>
+        <p:cNvPr id="1" name=""/>
+        <p:cNvGrpSpPr/>
+        <p:nvPr/>
+      </p:nvGrpSpPr>
+      <p:grpSpPr>
+        <a:xfrm>
+          <a:off x="0" y="0"/>
+          <a:ext cx="0" cy="0"/>
+          <a:chOff x="0" y="0"/>
+          <a:chExt cx="0" cy="0"/>
+        </a:xfrm>
+      </p:grpSpPr>
+      <p:sp>
+        <p:nvSpPr>
+          <p:cNvPr id="2" name="슬라이드 이미지 개체 틀 1"/>
+          <p:cNvSpPr>
+            <a:spLocks noGrp="1" noRot="1" noChangeAspect="1"/>
+          </p:cNvSpPr>
+          <p:nvPr>
+            <p:ph type="sldImg"/>
+          </p:nvPr>
+        </p:nvSpPr>
+        <p:spPr/>
+      </p:sp>
+      <p:sp>
+        <p:nvSpPr>
+          <p:cNvPr id="3" name="슬라이드 노트 개체 틀 2"/>
+          <p:cNvSpPr>
+            <a:spLocks noGrp="1"/>
+          </p:cNvSpPr>
+          <p:nvPr>
+            <p:ph type="body" idx="1"/>
+          </p:nvPr>
+        </p:nvSpPr>
+        <p:spPr/>
+        <p:txBody>
+          <a:bodyPr/>
+          <a:lstStyle/>
+          <a:p>
+            <a:endParaRPr kumimoji="1" lang="ko-Kore-KR" altLang="en-US" dirty="0"/>
+          </a:p>
+        </p:txBody>
+      </p:sp>
+      <p:sp>
+        <p:nvSpPr>
+          <p:cNvPr id="4" name="슬라이드 번호 개체 틀 3"/>
+          <p:cNvSpPr>
+            <a:spLocks noGrp="1"/>
+          </p:cNvSpPr>
+          <p:nvPr>
+            <p:ph type="sldNum" sz="quarter" idx="5"/>
+          </p:nvPr>
+        </p:nvSpPr>
+        <p:spPr/>
+        <p:txBody>
+          <a:bodyPr/>
+          <a:lstStyle/>
+          <a:p>
+            <a:fld id="{F03701FA-38CF-164C-94FB-AFD60E4E8BBB}" type="slidenum">
+              <a:rPr kumimoji="1" lang="ko-Kore-KR" altLang="en-US" smtClean="0"/>
+              <a:t>2</a:t>
+            </a:fld>
+            <a:endParaRPr kumimoji="1" lang="ko-Kore-KR" altLang="en-US"/>
+          </a:p>
+        </p:txBody>
+      </p:sp>
+    </p:spTree>
+    <p:extLst>
+      <p:ext uri="{BB962C8B-B14F-4D97-AF65-F5344CB8AC3E}">
+        <p14:creationId xmlns:p14="http://schemas.microsoft.com/office/powerpoint/2010/main" val="2531871841"/>
+      </p:ext>
+    </p:extLst>
+  </p:cSld>
+  <p:clrMapOvr>
+    <a:masterClrMapping/>
+  </p:clrMapOvr>
+</p:notes>
+</file>
+
+<file path=ppt/notesSlides/notesSlide3.xml><?xml version="1.0" encoding="utf-8"?>
+<p:notes xmlns:a="http://schemas.openxmlformats.org/drawingml/2006/main" xmlns:r="http://schemas.openxmlformats.org/officeDocument/2006/relationships" xmlns:p="http://schemas.openxmlformats.org/presentationml/2006/main">
+  <p:cSld>
+    <p:spTree>
+      <p:nvGrpSpPr>
+        <p:cNvPr id="1" name=""/>
+        <p:cNvGrpSpPr/>
+        <p:nvPr/>
+      </p:nvGrpSpPr>
+      <p:grpSpPr>
+        <a:xfrm>
+          <a:off x="0" y="0"/>
+          <a:ext cx="0" cy="0"/>
+          <a:chOff x="0" y="0"/>
+          <a:chExt cx="0" cy="0"/>
+        </a:xfrm>
+      </p:grpSpPr>
+      <p:sp>
+        <p:nvSpPr>
+          <p:cNvPr id="2" name="슬라이드 이미지 개체 틀 1"/>
+          <p:cNvSpPr>
+            <a:spLocks noGrp="1" noRot="1" noChangeAspect="1"/>
+          </p:cNvSpPr>
+          <p:nvPr>
+            <p:ph type="sldImg"/>
+          </p:nvPr>
+        </p:nvSpPr>
+        <p:spPr/>
+      </p:sp>
+      <p:sp>
+        <p:nvSpPr>
+          <p:cNvPr id="3" name="슬라이드 노트 개체 틀 2"/>
+          <p:cNvSpPr>
+            <a:spLocks noGrp="1"/>
+          </p:cNvSpPr>
+          <p:nvPr>
+            <p:ph type="body" idx="1"/>
+          </p:nvPr>
+        </p:nvSpPr>
+        <p:spPr/>
+        <p:txBody>
+          <a:bodyPr/>
+          <a:lstStyle/>
+          <a:p>
+            <a:endParaRPr kumimoji="1" lang="ko-Kore-KR" altLang="en-US" dirty="0"/>
+          </a:p>
+        </p:txBody>
+      </p:sp>
+      <p:sp>
+        <p:nvSpPr>
+          <p:cNvPr id="4" name="슬라이드 번호 개체 틀 3"/>
+          <p:cNvSpPr>
+            <a:spLocks noGrp="1"/>
+          </p:cNvSpPr>
+          <p:nvPr>
+            <p:ph type="sldNum" sz="quarter" idx="5"/>
+          </p:nvPr>
+        </p:nvSpPr>
+        <p:spPr/>
+        <p:txBody>
+          <a:bodyPr/>
+          <a:lstStyle/>
+          <a:p>
+            <a:fld id="{F03701FA-38CF-164C-94FB-AFD60E4E8BBB}" type="slidenum">
+              <a:rPr kumimoji="1" lang="ko-Kore-KR" altLang="en-US" smtClean="0"/>
+              <a:t>3</a:t>
+            </a:fld>
+            <a:endParaRPr kumimoji="1" lang="ko-Kore-KR" altLang="en-US"/>
+          </a:p>
+        </p:txBody>
+      </p:sp>
+    </p:spTree>
+    <p:extLst>
+      <p:ext uri="{BB962C8B-B14F-4D97-AF65-F5344CB8AC3E}">
+        <p14:creationId xmlns:p14="http://schemas.microsoft.com/office/powerpoint/2010/main" val="2367264642"/>
+      </p:ext>
+    </p:extLst>
+  </p:cSld>
+  <p:clrMapOvr>
+    <a:masterClrMapping/>
+  </p:clrMapOvr>
+</p:notes>
+</file>
+
+<file path=ppt/notesSlides/notesSlide4.xml><?xml version="1.0" encoding="utf-8"?>
+<p:notes xmlns:a="http://schemas.openxmlformats.org/drawingml/2006/main" xmlns:r="http://schemas.openxmlformats.org/officeDocument/2006/relationships" xmlns:p="http://schemas.openxmlformats.org/presentationml/2006/main">
+  <p:cSld>
+    <p:spTree>
+      <p:nvGrpSpPr>
+        <p:cNvPr id="1" name=""/>
+        <p:cNvGrpSpPr/>
+        <p:nvPr/>
+      </p:nvGrpSpPr>
+      <p:grpSpPr>
+        <a:xfrm>
+          <a:off x="0" y="0"/>
+          <a:ext cx="0" cy="0"/>
+          <a:chOff x="0" y="0"/>
+          <a:chExt cx="0" cy="0"/>
+        </a:xfrm>
+      </p:grpSpPr>
+      <p:sp>
+        <p:nvSpPr>
+          <p:cNvPr id="2" name="슬라이드 이미지 개체 틀 1"/>
+          <p:cNvSpPr>
+            <a:spLocks noGrp="1" noRot="1" noChangeAspect="1"/>
+          </p:cNvSpPr>
+          <p:nvPr>
+            <p:ph type="sldImg"/>
+          </p:nvPr>
+        </p:nvSpPr>
+        <p:spPr/>
+      </p:sp>
+      <p:sp>
+        <p:nvSpPr>
+          <p:cNvPr id="3" name="슬라이드 노트 개체 틀 2"/>
+          <p:cNvSpPr>
+            <a:spLocks noGrp="1"/>
+          </p:cNvSpPr>
+          <p:nvPr>
+            <p:ph type="body" idx="1"/>
+          </p:nvPr>
+        </p:nvSpPr>
+        <p:spPr/>
+        <p:txBody>
+          <a:bodyPr/>
+          <a:lstStyle/>
+          <a:p>
+            <a:endParaRPr kumimoji="1" lang="ko-Kore-KR" altLang="en-US" dirty="0"/>
+          </a:p>
+        </p:txBody>
+      </p:sp>
+      <p:sp>
+        <p:nvSpPr>
+          <p:cNvPr id="4" name="슬라이드 번호 개체 틀 3"/>
+          <p:cNvSpPr>
+            <a:spLocks noGrp="1"/>
+          </p:cNvSpPr>
+          <p:nvPr>
+            <p:ph type="sldNum" sz="quarter" idx="5"/>
+          </p:nvPr>
+        </p:nvSpPr>
+        <p:spPr/>
+        <p:txBody>
+          <a:bodyPr/>
+          <a:lstStyle/>
+          <a:p>
+            <a:fld id="{F03701FA-38CF-164C-94FB-AFD60E4E8BBB}" type="slidenum">
+              <a:rPr kumimoji="1" lang="ko-Kore-KR" altLang="en-US" smtClean="0"/>
+              <a:t>4</a:t>
+            </a:fld>
+            <a:endParaRPr kumimoji="1" lang="ko-Kore-KR" altLang="en-US"/>
+          </a:p>
+        </p:txBody>
+      </p:sp>
+    </p:spTree>
+    <p:extLst>
+      <p:ext uri="{BB962C8B-B14F-4D97-AF65-F5344CB8AC3E}">
+        <p14:creationId xmlns:p14="http://schemas.microsoft.com/office/powerpoint/2010/main" val="3766024612"/>
+      </p:ext>
+    </p:extLst>
+  </p:cSld>
+  <p:clrMapOvr>
+    <a:masterClrMapping/>
+  </p:clrMapOvr>
+</p:notes>
+</file>
+
 <file path=ppt/slideLayouts/slideLayout1.xml><?xml version="1.0" encoding="utf-8"?>
 <p:sldLayout xmlns:a="http://schemas.openxmlformats.org/drawingml/2006/main" xmlns:r="http://schemas.openxmlformats.org/officeDocument/2006/relationships" xmlns:p="http://schemas.openxmlformats.org/presentationml/2006/main" type="title" preserve="1">
   <p:cSld name="제목 슬라이드">
@@ -680,7 +935,7 @@
           <a:p>
             <a:fld id="{3083E1A9-A397-4745-BD5D-6E8E767939EE}" type="datetimeFigureOut">
               <a:rPr kumimoji="1" lang="ko-Kore-KR" altLang="en-US" smtClean="0"/>
-              <a:t>2022. 4. 11.</a:t>
+              <a:t>2022. 7. 27.</a:t>
             </a:fld>
             <a:endParaRPr kumimoji="1" lang="ko-Kore-KR" altLang="en-US"/>
           </a:p>
@@ -850,7 +1105,7 @@
           <a:p>
             <a:fld id="{3083E1A9-A397-4745-BD5D-6E8E767939EE}" type="datetimeFigureOut">
               <a:rPr kumimoji="1" lang="ko-Kore-KR" altLang="en-US" smtClean="0"/>
-              <a:t>2022. 4. 11.</a:t>
+              <a:t>2022. 7. 27.</a:t>
             </a:fld>
             <a:endParaRPr kumimoji="1" lang="ko-Kore-KR" altLang="en-US"/>
           </a:p>
@@ -1030,7 +1285,7 @@
           <a:p>
             <a:fld id="{3083E1A9-A397-4745-BD5D-6E8E767939EE}" type="datetimeFigureOut">
               <a:rPr kumimoji="1" lang="ko-Kore-KR" altLang="en-US" smtClean="0"/>
-              <a:t>2022. 4. 11.</a:t>
+              <a:t>2022. 7. 27.</a:t>
             </a:fld>
             <a:endParaRPr kumimoji="1" lang="ko-Kore-KR" altLang="en-US"/>
           </a:p>
@@ -1200,7 +1455,7 @@
           <a:p>
             <a:fld id="{3083E1A9-A397-4745-BD5D-6E8E767939EE}" type="datetimeFigureOut">
               <a:rPr kumimoji="1" lang="ko-Kore-KR" altLang="en-US" smtClean="0"/>
-              <a:t>2022. 4. 11.</a:t>
+              <a:t>2022. 7. 27.</a:t>
             </a:fld>
             <a:endParaRPr kumimoji="1" lang="ko-Kore-KR" altLang="en-US"/>
           </a:p>
@@ -1446,7 +1701,7 @@
           <a:p>
             <a:fld id="{3083E1A9-A397-4745-BD5D-6E8E767939EE}" type="datetimeFigureOut">
               <a:rPr kumimoji="1" lang="ko-Kore-KR" altLang="en-US" smtClean="0"/>
-              <a:t>2022. 4. 11.</a:t>
+              <a:t>2022. 7. 27.</a:t>
             </a:fld>
             <a:endParaRPr kumimoji="1" lang="ko-Kore-KR" altLang="en-US"/>
           </a:p>
@@ -1678,7 +1933,7 @@
           <a:p>
             <a:fld id="{3083E1A9-A397-4745-BD5D-6E8E767939EE}" type="datetimeFigureOut">
               <a:rPr kumimoji="1" lang="ko-Kore-KR" altLang="en-US" smtClean="0"/>
-              <a:t>2022. 4. 11.</a:t>
+              <a:t>2022. 7. 27.</a:t>
             </a:fld>
             <a:endParaRPr kumimoji="1" lang="ko-Kore-KR" altLang="en-US"/>
           </a:p>
@@ -2045,7 +2300,7 @@
           <a:p>
             <a:fld id="{3083E1A9-A397-4745-BD5D-6E8E767939EE}" type="datetimeFigureOut">
               <a:rPr kumimoji="1" lang="ko-Kore-KR" altLang="en-US" smtClean="0"/>
-              <a:t>2022. 4. 11.</a:t>
+              <a:t>2022. 7. 27.</a:t>
             </a:fld>
             <a:endParaRPr kumimoji="1" lang="ko-Kore-KR" altLang="en-US"/>
           </a:p>
@@ -2163,7 +2418,7 @@
           <a:p>
             <a:fld id="{3083E1A9-A397-4745-BD5D-6E8E767939EE}" type="datetimeFigureOut">
               <a:rPr kumimoji="1" lang="ko-Kore-KR" altLang="en-US" smtClean="0"/>
-              <a:t>2022. 4. 11.</a:t>
+              <a:t>2022. 7. 27.</a:t>
             </a:fld>
             <a:endParaRPr kumimoji="1" lang="ko-Kore-KR" altLang="en-US"/>
           </a:p>
@@ -2258,7 +2513,7 @@
           <a:p>
             <a:fld id="{3083E1A9-A397-4745-BD5D-6E8E767939EE}" type="datetimeFigureOut">
               <a:rPr kumimoji="1" lang="ko-Kore-KR" altLang="en-US" smtClean="0"/>
-              <a:t>2022. 4. 11.</a:t>
+              <a:t>2022. 7. 27.</a:t>
             </a:fld>
             <a:endParaRPr kumimoji="1" lang="ko-Kore-KR" altLang="en-US"/>
           </a:p>
@@ -2535,7 +2790,7 @@
           <a:p>
             <a:fld id="{3083E1A9-A397-4745-BD5D-6E8E767939EE}" type="datetimeFigureOut">
               <a:rPr kumimoji="1" lang="ko-Kore-KR" altLang="en-US" smtClean="0"/>
-              <a:t>2022. 4. 11.</a:t>
+              <a:t>2022. 7. 27.</a:t>
             </a:fld>
             <a:endParaRPr kumimoji="1" lang="ko-Kore-KR" altLang="en-US"/>
           </a:p>
@@ -2792,7 +3047,7 @@
           <a:p>
             <a:fld id="{3083E1A9-A397-4745-BD5D-6E8E767939EE}" type="datetimeFigureOut">
               <a:rPr kumimoji="1" lang="ko-Kore-KR" altLang="en-US" smtClean="0"/>
-              <a:t>2022. 4. 11.</a:t>
+              <a:t>2022. 7. 27.</a:t>
             </a:fld>
             <a:endParaRPr kumimoji="1" lang="ko-Kore-KR" altLang="en-US"/>
           </a:p>
@@ -3005,7 +3260,7 @@
           <a:p>
             <a:fld id="{3083E1A9-A397-4745-BD5D-6E8E767939EE}" type="datetimeFigureOut">
               <a:rPr kumimoji="1" lang="ko-Kore-KR" altLang="en-US" smtClean="0"/>
-              <a:t>2022. 4. 11.</a:t>
+              <a:t>2022. 7. 27.</a:t>
             </a:fld>
             <a:endParaRPr kumimoji="1" lang="ko-Kore-KR" altLang="en-US"/>
           </a:p>
@@ -6289,6 +6544,3772 @@
     <p:extLst>
       <p:ext uri="{BB962C8B-B14F-4D97-AF65-F5344CB8AC3E}">
         <p14:creationId xmlns:p14="http://schemas.microsoft.com/office/powerpoint/2010/main" val="722931578"/>
+      </p:ext>
+    </p:extLst>
+  </p:cSld>
+  <p:clrMapOvr>
+    <a:masterClrMapping/>
+  </p:clrMapOvr>
+</p:sld>
+</file>
+
+<file path=ppt/slides/slide2.xml><?xml version="1.0" encoding="utf-8"?>
+<p:sld xmlns:a="http://schemas.openxmlformats.org/drawingml/2006/main" xmlns:r="http://schemas.openxmlformats.org/officeDocument/2006/relationships" xmlns:p="http://schemas.openxmlformats.org/presentationml/2006/main">
+  <p:cSld>
+    <p:spTree>
+      <p:nvGrpSpPr>
+        <p:cNvPr id="1" name=""/>
+        <p:cNvGrpSpPr/>
+        <p:nvPr/>
+      </p:nvGrpSpPr>
+      <p:grpSpPr>
+        <a:xfrm>
+          <a:off x="0" y="0"/>
+          <a:ext cx="0" cy="0"/>
+          <a:chOff x="0" y="0"/>
+          <a:chExt cx="0" cy="0"/>
+        </a:xfrm>
+      </p:grpSpPr>
+      <p:sp>
+        <p:nvSpPr>
+          <p:cNvPr id="82" name="직사각형 81">
+            <a:extLst>
+              <a:ext uri="{FF2B5EF4-FFF2-40B4-BE49-F238E27FC236}">
+                <a16:creationId xmlns:a16="http://schemas.microsoft.com/office/drawing/2014/main" id="{E68EBFF0-6473-ED47-A228-76D24FF09809}"/>
+              </a:ext>
+            </a:extLst>
+          </p:cNvPr>
+          <p:cNvSpPr/>
+          <p:nvPr/>
+        </p:nvSpPr>
+        <p:spPr>
+          <a:xfrm>
+            <a:off x="2047953" y="1267809"/>
+            <a:ext cx="5386062" cy="3039868"/>
+          </a:xfrm>
+          <a:prstGeom prst="rect">
+            <a:avLst/>
+          </a:prstGeom>
+          <a:ln w="25400">
+            <a:solidFill>
+              <a:srgbClr val="5DA2C5"/>
+            </a:solidFill>
+          </a:ln>
+        </p:spPr>
+        <p:style>
+          <a:lnRef idx="1">
+            <a:schemeClr val="accent1"/>
+          </a:lnRef>
+          <a:fillRef idx="0">
+            <a:schemeClr val="accent1"/>
+          </a:fillRef>
+          <a:effectRef idx="0">
+            <a:schemeClr val="accent1"/>
+          </a:effectRef>
+          <a:fontRef idx="minor">
+            <a:schemeClr val="tx1"/>
+          </a:fontRef>
+        </p:style>
+        <p:txBody>
+          <a:bodyPr rtlCol="0" anchor="ctr"/>
+          <a:lstStyle/>
+          <a:p>
+            <a:pPr algn="ctr"/>
+            <a:endParaRPr kumimoji="1" lang="ko-Kore-KR" altLang="en-US"/>
+          </a:p>
+        </p:txBody>
+      </p:sp>
+      <p:sp>
+        <p:nvSpPr>
+          <p:cNvPr id="109" name="TextBox 108">
+            <a:extLst>
+              <a:ext uri="{FF2B5EF4-FFF2-40B4-BE49-F238E27FC236}">
+                <a16:creationId xmlns:a16="http://schemas.microsoft.com/office/drawing/2014/main" id="{58ACA7A8-3174-F44C-8A9B-8D5F8E59966E}"/>
+              </a:ext>
+            </a:extLst>
+          </p:cNvPr>
+          <p:cNvSpPr txBox="1"/>
+          <p:nvPr/>
+        </p:nvSpPr>
+        <p:spPr>
+          <a:xfrm>
+            <a:off x="2047952" y="1336905"/>
+            <a:ext cx="5386062" cy="369332"/>
+          </a:xfrm>
+          <a:prstGeom prst="rect">
+            <a:avLst/>
+          </a:prstGeom>
+          <a:noFill/>
+        </p:spPr>
+        <p:txBody>
+          <a:bodyPr wrap="square" rtlCol="0">
+            <a:spAutoFit/>
+          </a:bodyPr>
+          <a:lstStyle/>
+          <a:p>
+            <a:pPr algn="ctr"/>
+            <a:r>
+              <a:rPr kumimoji="1" lang="en-US" altLang="ko-Kore-KR" b="1" dirty="0">
+                <a:solidFill>
+                  <a:srgbClr val="5DA2C5"/>
+                </a:solidFill>
+                <a:latin typeface="SHeadG" panose="02030600000101010101" pitchFamily="18" charset="-127"/>
+                <a:ea typeface="SHeadG" panose="02030600000101010101" pitchFamily="18" charset="-127"/>
+              </a:rPr>
+              <a:t>Elasticsearch Index</a:t>
+            </a:r>
+            <a:endParaRPr kumimoji="1" lang="ko-Kore-KR" altLang="en-US" b="1" dirty="0">
+              <a:solidFill>
+                <a:srgbClr val="5DA2C5"/>
+              </a:solidFill>
+              <a:latin typeface="SHeadG" panose="02030600000101010101" pitchFamily="18" charset="-127"/>
+              <a:ea typeface="SHeadG" panose="02030600000101010101" pitchFamily="18" charset="-127"/>
+            </a:endParaRPr>
+          </a:p>
+        </p:txBody>
+      </p:sp>
+      <p:cxnSp>
+        <p:nvCxnSpPr>
+          <p:cNvPr id="3" name="직선 연결선[R] 2">
+            <a:extLst>
+              <a:ext uri="{FF2B5EF4-FFF2-40B4-BE49-F238E27FC236}">
+                <a16:creationId xmlns:a16="http://schemas.microsoft.com/office/drawing/2014/main" id="{A1B4E427-B66D-5C43-B282-70CF7E3FCB41}"/>
+              </a:ext>
+            </a:extLst>
+          </p:cNvPr>
+          <p:cNvCxnSpPr>
+            <a:cxnSpLocks/>
+          </p:cNvCxnSpPr>
+          <p:nvPr/>
+        </p:nvCxnSpPr>
+        <p:spPr>
+          <a:xfrm>
+            <a:off x="2047953" y="1828802"/>
+            <a:ext cx="5386062" cy="0"/>
+          </a:xfrm>
+          <a:prstGeom prst="line">
+            <a:avLst/>
+          </a:prstGeom>
+          <a:ln w="25400">
+            <a:solidFill>
+              <a:srgbClr val="5DA2C5"/>
+            </a:solidFill>
+          </a:ln>
+        </p:spPr>
+        <p:style>
+          <a:lnRef idx="1">
+            <a:schemeClr val="accent1"/>
+          </a:lnRef>
+          <a:fillRef idx="0">
+            <a:schemeClr val="accent1"/>
+          </a:fillRef>
+          <a:effectRef idx="0">
+            <a:schemeClr val="accent1"/>
+          </a:effectRef>
+          <a:fontRef idx="minor">
+            <a:schemeClr val="tx1"/>
+          </a:fontRef>
+        </p:style>
+      </p:cxnSp>
+      <p:cxnSp>
+        <p:nvCxnSpPr>
+          <p:cNvPr id="67" name="직선 연결선[R] 66">
+            <a:extLst>
+              <a:ext uri="{FF2B5EF4-FFF2-40B4-BE49-F238E27FC236}">
+                <a16:creationId xmlns:a16="http://schemas.microsoft.com/office/drawing/2014/main" id="{347785BB-9027-7A4F-BC04-4BFF60A97608}"/>
+              </a:ext>
+            </a:extLst>
+          </p:cNvPr>
+          <p:cNvCxnSpPr>
+            <a:cxnSpLocks/>
+          </p:cNvCxnSpPr>
+          <p:nvPr/>
+        </p:nvCxnSpPr>
+        <p:spPr>
+          <a:xfrm>
+            <a:off x="2047953" y="2433147"/>
+            <a:ext cx="5386062" cy="0"/>
+          </a:xfrm>
+          <a:prstGeom prst="line">
+            <a:avLst/>
+          </a:prstGeom>
+          <a:ln w="25400">
+            <a:solidFill>
+              <a:srgbClr val="5DA2C5"/>
+            </a:solidFill>
+          </a:ln>
+        </p:spPr>
+        <p:style>
+          <a:lnRef idx="1">
+            <a:schemeClr val="accent1"/>
+          </a:lnRef>
+          <a:fillRef idx="0">
+            <a:schemeClr val="accent1"/>
+          </a:fillRef>
+          <a:effectRef idx="0">
+            <a:schemeClr val="accent1"/>
+          </a:effectRef>
+          <a:fontRef idx="minor">
+            <a:schemeClr val="tx1"/>
+          </a:fontRef>
+        </p:style>
+      </p:cxnSp>
+      <p:cxnSp>
+        <p:nvCxnSpPr>
+          <p:cNvPr id="68" name="직선 연결선[R] 67">
+            <a:extLst>
+              <a:ext uri="{FF2B5EF4-FFF2-40B4-BE49-F238E27FC236}">
+                <a16:creationId xmlns:a16="http://schemas.microsoft.com/office/drawing/2014/main" id="{07921D39-5197-EF48-860F-E27D3A57946B}"/>
+              </a:ext>
+            </a:extLst>
+          </p:cNvPr>
+          <p:cNvCxnSpPr>
+            <a:cxnSpLocks/>
+          </p:cNvCxnSpPr>
+          <p:nvPr/>
+        </p:nvCxnSpPr>
+        <p:spPr>
+          <a:xfrm>
+            <a:off x="2047953" y="3037492"/>
+            <a:ext cx="5386062" cy="0"/>
+          </a:xfrm>
+          <a:prstGeom prst="line">
+            <a:avLst/>
+          </a:prstGeom>
+          <a:ln w="25400">
+            <a:solidFill>
+              <a:srgbClr val="5DA2C5"/>
+            </a:solidFill>
+          </a:ln>
+        </p:spPr>
+        <p:style>
+          <a:lnRef idx="1">
+            <a:schemeClr val="accent1"/>
+          </a:lnRef>
+          <a:fillRef idx="0">
+            <a:schemeClr val="accent1"/>
+          </a:fillRef>
+          <a:effectRef idx="0">
+            <a:schemeClr val="accent1"/>
+          </a:effectRef>
+          <a:fontRef idx="minor">
+            <a:schemeClr val="tx1"/>
+          </a:fontRef>
+        </p:style>
+      </p:cxnSp>
+      <p:cxnSp>
+        <p:nvCxnSpPr>
+          <p:cNvPr id="75" name="직선 연결선[R] 74">
+            <a:extLst>
+              <a:ext uri="{FF2B5EF4-FFF2-40B4-BE49-F238E27FC236}">
+                <a16:creationId xmlns:a16="http://schemas.microsoft.com/office/drawing/2014/main" id="{CE980BFB-9807-9F4B-B866-CC39A3E08A52}"/>
+              </a:ext>
+            </a:extLst>
+          </p:cNvPr>
+          <p:cNvCxnSpPr>
+            <a:cxnSpLocks/>
+          </p:cNvCxnSpPr>
+          <p:nvPr/>
+        </p:nvCxnSpPr>
+        <p:spPr>
+          <a:xfrm>
+            <a:off x="3320771" y="1828802"/>
+            <a:ext cx="0" cy="2478875"/>
+          </a:xfrm>
+          <a:prstGeom prst="line">
+            <a:avLst/>
+          </a:prstGeom>
+          <a:ln w="25400">
+            <a:solidFill>
+              <a:srgbClr val="5DA2C5"/>
+            </a:solidFill>
+          </a:ln>
+        </p:spPr>
+        <p:style>
+          <a:lnRef idx="1">
+            <a:schemeClr val="accent1"/>
+          </a:lnRef>
+          <a:fillRef idx="0">
+            <a:schemeClr val="accent1"/>
+          </a:fillRef>
+          <a:effectRef idx="0">
+            <a:schemeClr val="accent1"/>
+          </a:effectRef>
+          <a:fontRef idx="minor">
+            <a:schemeClr val="tx1"/>
+          </a:fontRef>
+        </p:style>
+      </p:cxnSp>
+      <p:cxnSp>
+        <p:nvCxnSpPr>
+          <p:cNvPr id="76" name="직선 연결선[R] 75">
+            <a:extLst>
+              <a:ext uri="{FF2B5EF4-FFF2-40B4-BE49-F238E27FC236}">
+                <a16:creationId xmlns:a16="http://schemas.microsoft.com/office/drawing/2014/main" id="{D692902E-F9B5-1C42-AE82-110B823847C5}"/>
+              </a:ext>
+            </a:extLst>
+          </p:cNvPr>
+          <p:cNvCxnSpPr>
+            <a:cxnSpLocks/>
+          </p:cNvCxnSpPr>
+          <p:nvPr/>
+        </p:nvCxnSpPr>
+        <p:spPr>
+          <a:xfrm>
+            <a:off x="4740732" y="1828802"/>
+            <a:ext cx="0" cy="2478875"/>
+          </a:xfrm>
+          <a:prstGeom prst="line">
+            <a:avLst/>
+          </a:prstGeom>
+          <a:ln w="25400">
+            <a:solidFill>
+              <a:srgbClr val="5DA2C5"/>
+            </a:solidFill>
+          </a:ln>
+        </p:spPr>
+        <p:style>
+          <a:lnRef idx="1">
+            <a:schemeClr val="accent1"/>
+          </a:lnRef>
+          <a:fillRef idx="0">
+            <a:schemeClr val="accent1"/>
+          </a:fillRef>
+          <a:effectRef idx="0">
+            <a:schemeClr val="accent1"/>
+          </a:effectRef>
+          <a:fontRef idx="minor">
+            <a:schemeClr val="tx1"/>
+          </a:fontRef>
+        </p:style>
+      </p:cxnSp>
+      <p:cxnSp>
+        <p:nvCxnSpPr>
+          <p:cNvPr id="77" name="직선 연결선[R] 76">
+            <a:extLst>
+              <a:ext uri="{FF2B5EF4-FFF2-40B4-BE49-F238E27FC236}">
+                <a16:creationId xmlns:a16="http://schemas.microsoft.com/office/drawing/2014/main" id="{7ADD275C-CBC9-8940-A341-A1B6FC944B72}"/>
+              </a:ext>
+            </a:extLst>
+          </p:cNvPr>
+          <p:cNvCxnSpPr>
+            <a:cxnSpLocks/>
+          </p:cNvCxnSpPr>
+          <p:nvPr/>
+        </p:nvCxnSpPr>
+        <p:spPr>
+          <a:xfrm>
+            <a:off x="6087124" y="1828802"/>
+            <a:ext cx="0" cy="2478875"/>
+          </a:xfrm>
+          <a:prstGeom prst="line">
+            <a:avLst/>
+          </a:prstGeom>
+          <a:ln w="25400">
+            <a:solidFill>
+              <a:srgbClr val="5DA2C5"/>
+            </a:solidFill>
+          </a:ln>
+        </p:spPr>
+        <p:style>
+          <a:lnRef idx="1">
+            <a:schemeClr val="accent1"/>
+          </a:lnRef>
+          <a:fillRef idx="0">
+            <a:schemeClr val="accent1"/>
+          </a:fillRef>
+          <a:effectRef idx="0">
+            <a:schemeClr val="accent1"/>
+          </a:effectRef>
+          <a:fontRef idx="minor">
+            <a:schemeClr val="tx1"/>
+          </a:fontRef>
+        </p:style>
+      </p:cxnSp>
+      <p:sp>
+        <p:nvSpPr>
+          <p:cNvPr id="80" name="TextBox 79">
+            <a:extLst>
+              <a:ext uri="{FF2B5EF4-FFF2-40B4-BE49-F238E27FC236}">
+                <a16:creationId xmlns:a16="http://schemas.microsoft.com/office/drawing/2014/main" id="{3122F0DF-5EF1-C046-A4B1-8EDDDE0E436D}"/>
+              </a:ext>
+            </a:extLst>
+          </p:cNvPr>
+          <p:cNvSpPr txBox="1"/>
+          <p:nvPr/>
+        </p:nvSpPr>
+        <p:spPr>
+          <a:xfrm>
+            <a:off x="1979476" y="1901732"/>
+            <a:ext cx="1416021" cy="430887"/>
+          </a:xfrm>
+          <a:prstGeom prst="rect">
+            <a:avLst/>
+          </a:prstGeom>
+          <a:noFill/>
+        </p:spPr>
+        <p:txBody>
+          <a:bodyPr wrap="square" rtlCol="0">
+            <a:spAutoFit/>
+          </a:bodyPr>
+          <a:lstStyle/>
+          <a:p>
+            <a:pPr algn="ctr"/>
+            <a:r>
+              <a:rPr kumimoji="1" lang="en-US" altLang="ko-Kore-KR" sz="1050" b="1" dirty="0">
+                <a:solidFill>
+                  <a:srgbClr val="5DA2C5"/>
+                </a:solidFill>
+                <a:latin typeface="SHeadG" panose="02030600000101010101" pitchFamily="18" charset="-127"/>
+                <a:ea typeface="SHeadG" panose="02030600000101010101" pitchFamily="18" charset="-127"/>
+              </a:rPr>
+              <a:t>Elasticsearch</a:t>
+            </a:r>
+          </a:p>
+          <a:p>
+            <a:pPr algn="ctr"/>
+            <a:r>
+              <a:rPr kumimoji="1" lang="en-US" altLang="ko-Kore-KR" sz="1050" b="1" dirty="0">
+                <a:solidFill>
+                  <a:srgbClr val="5DA2C5"/>
+                </a:solidFill>
+                <a:latin typeface="SHeadG" panose="02030600000101010101" pitchFamily="18" charset="-127"/>
+                <a:ea typeface="SHeadG" panose="02030600000101010101" pitchFamily="18" charset="-127"/>
+              </a:rPr>
+              <a:t>shard</a:t>
+            </a:r>
+            <a:endParaRPr kumimoji="1" lang="ko-Kore-KR" altLang="en-US" sz="1050" b="1" dirty="0">
+              <a:solidFill>
+                <a:srgbClr val="5DA2C5"/>
+              </a:solidFill>
+              <a:latin typeface="SHeadG" panose="02030600000101010101" pitchFamily="18" charset="-127"/>
+              <a:ea typeface="SHeadG" panose="02030600000101010101" pitchFamily="18" charset="-127"/>
+            </a:endParaRPr>
+          </a:p>
+        </p:txBody>
+      </p:sp>
+      <p:sp>
+        <p:nvSpPr>
+          <p:cNvPr id="81" name="TextBox 80">
+            <a:extLst>
+              <a:ext uri="{FF2B5EF4-FFF2-40B4-BE49-F238E27FC236}">
+                <a16:creationId xmlns:a16="http://schemas.microsoft.com/office/drawing/2014/main" id="{FC6C9EB7-3387-BE4B-A940-6DE4571F29C3}"/>
+              </a:ext>
+            </a:extLst>
+          </p:cNvPr>
+          <p:cNvSpPr txBox="1"/>
+          <p:nvPr/>
+        </p:nvSpPr>
+        <p:spPr>
+          <a:xfrm>
+            <a:off x="3309763" y="1918077"/>
+            <a:ext cx="1416021" cy="430887"/>
+          </a:xfrm>
+          <a:prstGeom prst="rect">
+            <a:avLst/>
+          </a:prstGeom>
+          <a:noFill/>
+        </p:spPr>
+        <p:txBody>
+          <a:bodyPr wrap="square" rtlCol="0">
+            <a:spAutoFit/>
+          </a:bodyPr>
+          <a:lstStyle/>
+          <a:p>
+            <a:pPr algn="ctr"/>
+            <a:r>
+              <a:rPr kumimoji="1" lang="en-US" altLang="ko-Kore-KR" sz="1050" b="1" dirty="0">
+                <a:solidFill>
+                  <a:srgbClr val="5DA2C5"/>
+                </a:solidFill>
+                <a:latin typeface="SHeadG" panose="02030600000101010101" pitchFamily="18" charset="-127"/>
+                <a:ea typeface="SHeadG" panose="02030600000101010101" pitchFamily="18" charset="-127"/>
+              </a:rPr>
+              <a:t>Elasticsearch</a:t>
+            </a:r>
+          </a:p>
+          <a:p>
+            <a:pPr algn="ctr"/>
+            <a:r>
+              <a:rPr kumimoji="1" lang="en-US" altLang="ko-Kore-KR" sz="1050" b="1" dirty="0">
+                <a:solidFill>
+                  <a:srgbClr val="5DA2C5"/>
+                </a:solidFill>
+                <a:latin typeface="SHeadG" panose="02030600000101010101" pitchFamily="18" charset="-127"/>
+                <a:ea typeface="SHeadG" panose="02030600000101010101" pitchFamily="18" charset="-127"/>
+              </a:rPr>
+              <a:t>shard</a:t>
+            </a:r>
+            <a:endParaRPr kumimoji="1" lang="ko-Kore-KR" altLang="en-US" sz="1050" b="1" dirty="0">
+              <a:solidFill>
+                <a:srgbClr val="5DA2C5"/>
+              </a:solidFill>
+              <a:latin typeface="SHeadG" panose="02030600000101010101" pitchFamily="18" charset="-127"/>
+              <a:ea typeface="SHeadG" panose="02030600000101010101" pitchFamily="18" charset="-127"/>
+            </a:endParaRPr>
+          </a:p>
+        </p:txBody>
+      </p:sp>
+      <p:sp>
+        <p:nvSpPr>
+          <p:cNvPr id="93" name="TextBox 92">
+            <a:extLst>
+              <a:ext uri="{FF2B5EF4-FFF2-40B4-BE49-F238E27FC236}">
+                <a16:creationId xmlns:a16="http://schemas.microsoft.com/office/drawing/2014/main" id="{9B639223-FFF4-A54A-B02F-01027048DA41}"/>
+              </a:ext>
+            </a:extLst>
+          </p:cNvPr>
+          <p:cNvSpPr txBox="1"/>
+          <p:nvPr/>
+        </p:nvSpPr>
+        <p:spPr>
+          <a:xfrm>
+            <a:off x="4679979" y="1924225"/>
+            <a:ext cx="1416021" cy="430887"/>
+          </a:xfrm>
+          <a:prstGeom prst="rect">
+            <a:avLst/>
+          </a:prstGeom>
+          <a:noFill/>
+        </p:spPr>
+        <p:txBody>
+          <a:bodyPr wrap="square" rtlCol="0">
+            <a:spAutoFit/>
+          </a:bodyPr>
+          <a:lstStyle/>
+          <a:p>
+            <a:pPr algn="ctr"/>
+            <a:r>
+              <a:rPr kumimoji="1" lang="en-US" altLang="ko-Kore-KR" sz="1050" b="1" dirty="0">
+                <a:solidFill>
+                  <a:srgbClr val="5DA2C5"/>
+                </a:solidFill>
+                <a:latin typeface="SHeadG" panose="02030600000101010101" pitchFamily="18" charset="-127"/>
+                <a:ea typeface="SHeadG" panose="02030600000101010101" pitchFamily="18" charset="-127"/>
+              </a:rPr>
+              <a:t>Elasticsearch</a:t>
+            </a:r>
+          </a:p>
+          <a:p>
+            <a:pPr algn="ctr"/>
+            <a:r>
+              <a:rPr kumimoji="1" lang="en-US" altLang="ko-Kore-KR" sz="1050" b="1" dirty="0">
+                <a:solidFill>
+                  <a:srgbClr val="5DA2C5"/>
+                </a:solidFill>
+                <a:latin typeface="SHeadG" panose="02030600000101010101" pitchFamily="18" charset="-127"/>
+                <a:ea typeface="SHeadG" panose="02030600000101010101" pitchFamily="18" charset="-127"/>
+              </a:rPr>
+              <a:t>shard</a:t>
+            </a:r>
+            <a:endParaRPr kumimoji="1" lang="ko-Kore-KR" altLang="en-US" sz="1050" b="1" dirty="0">
+              <a:solidFill>
+                <a:srgbClr val="5DA2C5"/>
+              </a:solidFill>
+              <a:latin typeface="SHeadG" panose="02030600000101010101" pitchFamily="18" charset="-127"/>
+              <a:ea typeface="SHeadG" panose="02030600000101010101" pitchFamily="18" charset="-127"/>
+            </a:endParaRPr>
+          </a:p>
+        </p:txBody>
+      </p:sp>
+      <p:sp>
+        <p:nvSpPr>
+          <p:cNvPr id="95" name="TextBox 94">
+            <a:extLst>
+              <a:ext uri="{FF2B5EF4-FFF2-40B4-BE49-F238E27FC236}">
+                <a16:creationId xmlns:a16="http://schemas.microsoft.com/office/drawing/2014/main" id="{25877311-59FC-894D-9CFE-3909EFB3B68D}"/>
+              </a:ext>
+            </a:extLst>
+          </p:cNvPr>
+          <p:cNvSpPr txBox="1"/>
+          <p:nvPr/>
+        </p:nvSpPr>
+        <p:spPr>
+          <a:xfrm>
+            <a:off x="6050195" y="1919863"/>
+            <a:ext cx="1416021" cy="430887"/>
+          </a:xfrm>
+          <a:prstGeom prst="rect">
+            <a:avLst/>
+          </a:prstGeom>
+          <a:noFill/>
+        </p:spPr>
+        <p:txBody>
+          <a:bodyPr wrap="square" rtlCol="0">
+            <a:spAutoFit/>
+          </a:bodyPr>
+          <a:lstStyle/>
+          <a:p>
+            <a:pPr algn="ctr"/>
+            <a:r>
+              <a:rPr kumimoji="1" lang="en-US" altLang="ko-Kore-KR" sz="1050" b="1" dirty="0">
+                <a:solidFill>
+                  <a:srgbClr val="5DA2C5"/>
+                </a:solidFill>
+                <a:latin typeface="SHeadG" panose="02030600000101010101" pitchFamily="18" charset="-127"/>
+                <a:ea typeface="SHeadG" panose="02030600000101010101" pitchFamily="18" charset="-127"/>
+              </a:rPr>
+              <a:t>Elasticsearch</a:t>
+            </a:r>
+          </a:p>
+          <a:p>
+            <a:pPr algn="ctr"/>
+            <a:r>
+              <a:rPr kumimoji="1" lang="en-US" altLang="ko-Kore-KR" sz="1050" b="1" dirty="0">
+                <a:solidFill>
+                  <a:srgbClr val="5DA2C5"/>
+                </a:solidFill>
+                <a:latin typeface="SHeadG" panose="02030600000101010101" pitchFamily="18" charset="-127"/>
+                <a:ea typeface="SHeadG" panose="02030600000101010101" pitchFamily="18" charset="-127"/>
+              </a:rPr>
+              <a:t>shard</a:t>
+            </a:r>
+            <a:endParaRPr kumimoji="1" lang="ko-Kore-KR" altLang="en-US" sz="1050" b="1" dirty="0">
+              <a:solidFill>
+                <a:srgbClr val="5DA2C5"/>
+              </a:solidFill>
+              <a:latin typeface="SHeadG" panose="02030600000101010101" pitchFamily="18" charset="-127"/>
+              <a:ea typeface="SHeadG" panose="02030600000101010101" pitchFamily="18" charset="-127"/>
+            </a:endParaRPr>
+          </a:p>
+        </p:txBody>
+      </p:sp>
+      <p:sp>
+        <p:nvSpPr>
+          <p:cNvPr id="112" name="TextBox 111">
+            <a:extLst>
+              <a:ext uri="{FF2B5EF4-FFF2-40B4-BE49-F238E27FC236}">
+                <a16:creationId xmlns:a16="http://schemas.microsoft.com/office/drawing/2014/main" id="{6258757C-3155-BE4F-9BAF-2D058F1E5333}"/>
+              </a:ext>
+            </a:extLst>
+          </p:cNvPr>
+          <p:cNvSpPr txBox="1"/>
+          <p:nvPr/>
+        </p:nvSpPr>
+        <p:spPr>
+          <a:xfrm>
+            <a:off x="1977821" y="2489359"/>
+            <a:ext cx="1416021" cy="253916"/>
+          </a:xfrm>
+          <a:prstGeom prst="rect">
+            <a:avLst/>
+          </a:prstGeom>
+          <a:noFill/>
+        </p:spPr>
+        <p:txBody>
+          <a:bodyPr wrap="square" rtlCol="0">
+            <a:spAutoFit/>
+          </a:bodyPr>
+          <a:lstStyle/>
+          <a:p>
+            <a:pPr algn="ctr"/>
+            <a:r>
+              <a:rPr kumimoji="1" lang="en-US" altLang="ko-Kore-KR" sz="1050" b="1" dirty="0">
+                <a:solidFill>
+                  <a:srgbClr val="5DA2C5"/>
+                </a:solidFill>
+                <a:latin typeface="SHeadG" panose="02030600000101010101" pitchFamily="18" charset="-127"/>
+                <a:ea typeface="SHeadG" panose="02030600000101010101" pitchFamily="18" charset="-127"/>
+              </a:rPr>
+              <a:t>Lucene index</a:t>
+            </a:r>
+            <a:endParaRPr kumimoji="1" lang="ko-Kore-KR" altLang="en-US" sz="1050" b="1" dirty="0">
+              <a:solidFill>
+                <a:srgbClr val="5DA2C5"/>
+              </a:solidFill>
+              <a:latin typeface="SHeadG" panose="02030600000101010101" pitchFamily="18" charset="-127"/>
+              <a:ea typeface="SHeadG" panose="02030600000101010101" pitchFamily="18" charset="-127"/>
+            </a:endParaRPr>
+          </a:p>
+        </p:txBody>
+      </p:sp>
+      <p:sp>
+        <p:nvSpPr>
+          <p:cNvPr id="113" name="TextBox 112">
+            <a:extLst>
+              <a:ext uri="{FF2B5EF4-FFF2-40B4-BE49-F238E27FC236}">
+                <a16:creationId xmlns:a16="http://schemas.microsoft.com/office/drawing/2014/main" id="{B66E3CD4-B696-5E48-94F8-BDFBF0A26EA9}"/>
+              </a:ext>
+            </a:extLst>
+          </p:cNvPr>
+          <p:cNvSpPr txBox="1"/>
+          <p:nvPr/>
+        </p:nvSpPr>
+        <p:spPr>
+          <a:xfrm>
+            <a:off x="3317237" y="2480281"/>
+            <a:ext cx="1416021" cy="253916"/>
+          </a:xfrm>
+          <a:prstGeom prst="rect">
+            <a:avLst/>
+          </a:prstGeom>
+          <a:noFill/>
+        </p:spPr>
+        <p:txBody>
+          <a:bodyPr wrap="square" rtlCol="0">
+            <a:spAutoFit/>
+          </a:bodyPr>
+          <a:lstStyle/>
+          <a:p>
+            <a:pPr algn="ctr"/>
+            <a:r>
+              <a:rPr kumimoji="1" lang="en-US" altLang="ko-Kore-KR" sz="1050" b="1" dirty="0">
+                <a:solidFill>
+                  <a:srgbClr val="5DA2C5"/>
+                </a:solidFill>
+                <a:latin typeface="SHeadG" panose="02030600000101010101" pitchFamily="18" charset="-127"/>
+                <a:ea typeface="SHeadG" panose="02030600000101010101" pitchFamily="18" charset="-127"/>
+              </a:rPr>
+              <a:t>Lucene index</a:t>
+            </a:r>
+            <a:endParaRPr kumimoji="1" lang="ko-Kore-KR" altLang="en-US" sz="1050" b="1" dirty="0">
+              <a:solidFill>
+                <a:srgbClr val="5DA2C5"/>
+              </a:solidFill>
+              <a:latin typeface="SHeadG" panose="02030600000101010101" pitchFamily="18" charset="-127"/>
+              <a:ea typeface="SHeadG" panose="02030600000101010101" pitchFamily="18" charset="-127"/>
+            </a:endParaRPr>
+          </a:p>
+        </p:txBody>
+      </p:sp>
+      <p:sp>
+        <p:nvSpPr>
+          <p:cNvPr id="114" name="TextBox 113">
+            <a:extLst>
+              <a:ext uri="{FF2B5EF4-FFF2-40B4-BE49-F238E27FC236}">
+                <a16:creationId xmlns:a16="http://schemas.microsoft.com/office/drawing/2014/main" id="{E885EC74-65D3-8E49-B0AD-2E0B0F1209FA}"/>
+              </a:ext>
+            </a:extLst>
+          </p:cNvPr>
+          <p:cNvSpPr txBox="1"/>
+          <p:nvPr/>
+        </p:nvSpPr>
+        <p:spPr>
+          <a:xfrm>
+            <a:off x="4687861" y="2492815"/>
+            <a:ext cx="1416021" cy="253916"/>
+          </a:xfrm>
+          <a:prstGeom prst="rect">
+            <a:avLst/>
+          </a:prstGeom>
+          <a:noFill/>
+        </p:spPr>
+        <p:txBody>
+          <a:bodyPr wrap="square" rtlCol="0">
+            <a:spAutoFit/>
+          </a:bodyPr>
+          <a:lstStyle/>
+          <a:p>
+            <a:pPr algn="ctr"/>
+            <a:r>
+              <a:rPr kumimoji="1" lang="en-US" altLang="ko-Kore-KR" sz="1050" b="1" dirty="0">
+                <a:solidFill>
+                  <a:srgbClr val="5DA2C5"/>
+                </a:solidFill>
+                <a:latin typeface="SHeadG" panose="02030600000101010101" pitchFamily="18" charset="-127"/>
+                <a:ea typeface="SHeadG" panose="02030600000101010101" pitchFamily="18" charset="-127"/>
+              </a:rPr>
+              <a:t>Lucene index</a:t>
+            </a:r>
+            <a:endParaRPr kumimoji="1" lang="ko-Kore-KR" altLang="en-US" sz="1050" b="1" dirty="0">
+              <a:solidFill>
+                <a:srgbClr val="5DA2C5"/>
+              </a:solidFill>
+              <a:latin typeface="SHeadG" panose="02030600000101010101" pitchFamily="18" charset="-127"/>
+              <a:ea typeface="SHeadG" panose="02030600000101010101" pitchFamily="18" charset="-127"/>
+            </a:endParaRPr>
+          </a:p>
+        </p:txBody>
+      </p:sp>
+      <p:sp>
+        <p:nvSpPr>
+          <p:cNvPr id="115" name="TextBox 114">
+            <a:extLst>
+              <a:ext uri="{FF2B5EF4-FFF2-40B4-BE49-F238E27FC236}">
+                <a16:creationId xmlns:a16="http://schemas.microsoft.com/office/drawing/2014/main" id="{8E569025-BE1C-094F-8D37-C402D6BC48FB}"/>
+              </a:ext>
+            </a:extLst>
+          </p:cNvPr>
+          <p:cNvSpPr txBox="1"/>
+          <p:nvPr/>
+        </p:nvSpPr>
+        <p:spPr>
+          <a:xfrm>
+            <a:off x="6058485" y="2505349"/>
+            <a:ext cx="1416021" cy="253916"/>
+          </a:xfrm>
+          <a:prstGeom prst="rect">
+            <a:avLst/>
+          </a:prstGeom>
+          <a:noFill/>
+        </p:spPr>
+        <p:txBody>
+          <a:bodyPr wrap="square" rtlCol="0">
+            <a:spAutoFit/>
+          </a:bodyPr>
+          <a:lstStyle/>
+          <a:p>
+            <a:pPr algn="ctr"/>
+            <a:r>
+              <a:rPr kumimoji="1" lang="en-US" altLang="ko-Kore-KR" sz="1050" b="1" dirty="0">
+                <a:solidFill>
+                  <a:srgbClr val="5DA2C5"/>
+                </a:solidFill>
+                <a:latin typeface="SHeadG" panose="02030600000101010101" pitchFamily="18" charset="-127"/>
+                <a:ea typeface="SHeadG" panose="02030600000101010101" pitchFamily="18" charset="-127"/>
+              </a:rPr>
+              <a:t>Lucene index</a:t>
+            </a:r>
+            <a:endParaRPr kumimoji="1" lang="ko-Kore-KR" altLang="en-US" sz="1050" b="1" dirty="0">
+              <a:solidFill>
+                <a:srgbClr val="5DA2C5"/>
+              </a:solidFill>
+              <a:latin typeface="SHeadG" panose="02030600000101010101" pitchFamily="18" charset="-127"/>
+              <a:ea typeface="SHeadG" panose="02030600000101010101" pitchFamily="18" charset="-127"/>
+            </a:endParaRPr>
+          </a:p>
+        </p:txBody>
+      </p:sp>
+      <p:cxnSp>
+        <p:nvCxnSpPr>
+          <p:cNvPr id="116" name="직선 연결선[R] 115">
+            <a:extLst>
+              <a:ext uri="{FF2B5EF4-FFF2-40B4-BE49-F238E27FC236}">
+                <a16:creationId xmlns:a16="http://schemas.microsoft.com/office/drawing/2014/main" id="{AA166B71-FC21-9145-9054-130648188A16}"/>
+              </a:ext>
+            </a:extLst>
+          </p:cNvPr>
+          <p:cNvCxnSpPr>
+            <a:cxnSpLocks/>
+          </p:cNvCxnSpPr>
+          <p:nvPr/>
+        </p:nvCxnSpPr>
+        <p:spPr>
+          <a:xfrm>
+            <a:off x="2685831" y="3036182"/>
+            <a:ext cx="0" cy="1271495"/>
+          </a:xfrm>
+          <a:prstGeom prst="line">
+            <a:avLst/>
+          </a:prstGeom>
+          <a:ln w="25400">
+            <a:solidFill>
+              <a:srgbClr val="5DA2C5"/>
+            </a:solidFill>
+          </a:ln>
+        </p:spPr>
+        <p:style>
+          <a:lnRef idx="1">
+            <a:schemeClr val="accent1"/>
+          </a:lnRef>
+          <a:fillRef idx="0">
+            <a:schemeClr val="accent1"/>
+          </a:fillRef>
+          <a:effectRef idx="0">
+            <a:schemeClr val="accent1"/>
+          </a:effectRef>
+          <a:fontRef idx="minor">
+            <a:schemeClr val="tx1"/>
+          </a:fontRef>
+        </p:style>
+      </p:cxnSp>
+      <p:sp>
+        <p:nvSpPr>
+          <p:cNvPr id="117" name="TextBox 116">
+            <a:extLst>
+              <a:ext uri="{FF2B5EF4-FFF2-40B4-BE49-F238E27FC236}">
+                <a16:creationId xmlns:a16="http://schemas.microsoft.com/office/drawing/2014/main" id="{E6D391A8-FCD8-3847-ADED-8D31965F75A3}"/>
+              </a:ext>
+            </a:extLst>
+          </p:cNvPr>
+          <p:cNvSpPr txBox="1"/>
+          <p:nvPr/>
+        </p:nvSpPr>
+        <p:spPr>
+          <a:xfrm>
+            <a:off x="1981031" y="3457864"/>
+            <a:ext cx="793146" cy="253916"/>
+          </a:xfrm>
+          <a:prstGeom prst="rect">
+            <a:avLst/>
+          </a:prstGeom>
+          <a:noFill/>
+        </p:spPr>
+        <p:txBody>
+          <a:bodyPr wrap="square" rtlCol="0">
+            <a:spAutoFit/>
+          </a:bodyPr>
+          <a:lstStyle/>
+          <a:p>
+            <a:pPr algn="ctr"/>
+            <a:r>
+              <a:rPr kumimoji="1" lang="en-US" altLang="ko-Kore-KR" sz="1050" b="1" dirty="0">
+                <a:solidFill>
+                  <a:srgbClr val="5DA2C5"/>
+                </a:solidFill>
+                <a:latin typeface="SHeadG" panose="02030600000101010101" pitchFamily="18" charset="-127"/>
+                <a:ea typeface="SHeadG" panose="02030600000101010101" pitchFamily="18" charset="-127"/>
+              </a:rPr>
+              <a:t>Segment</a:t>
+            </a:r>
+            <a:endParaRPr kumimoji="1" lang="ko-Kore-KR" altLang="en-US" sz="1050" b="1" dirty="0">
+              <a:solidFill>
+                <a:srgbClr val="5DA2C5"/>
+              </a:solidFill>
+              <a:latin typeface="SHeadG" panose="02030600000101010101" pitchFamily="18" charset="-127"/>
+              <a:ea typeface="SHeadG" panose="02030600000101010101" pitchFamily="18" charset="-127"/>
+            </a:endParaRPr>
+          </a:p>
+        </p:txBody>
+      </p:sp>
+      <p:sp>
+        <p:nvSpPr>
+          <p:cNvPr id="118" name="TextBox 117">
+            <a:extLst>
+              <a:ext uri="{FF2B5EF4-FFF2-40B4-BE49-F238E27FC236}">
+                <a16:creationId xmlns:a16="http://schemas.microsoft.com/office/drawing/2014/main" id="{A95FDA08-3419-E14F-8D1E-398D089E93E0}"/>
+              </a:ext>
+            </a:extLst>
+          </p:cNvPr>
+          <p:cNvSpPr txBox="1"/>
+          <p:nvPr/>
+        </p:nvSpPr>
+        <p:spPr>
+          <a:xfrm>
+            <a:off x="2614742" y="3469864"/>
+            <a:ext cx="793146" cy="253916"/>
+          </a:xfrm>
+          <a:prstGeom prst="rect">
+            <a:avLst/>
+          </a:prstGeom>
+          <a:noFill/>
+        </p:spPr>
+        <p:txBody>
+          <a:bodyPr wrap="square" rtlCol="0">
+            <a:spAutoFit/>
+          </a:bodyPr>
+          <a:lstStyle/>
+          <a:p>
+            <a:pPr algn="ctr"/>
+            <a:r>
+              <a:rPr kumimoji="1" lang="en-US" altLang="ko-Kore-KR" sz="1050" b="1" dirty="0">
+                <a:solidFill>
+                  <a:srgbClr val="5DA2C5"/>
+                </a:solidFill>
+                <a:latin typeface="SHeadG" panose="02030600000101010101" pitchFamily="18" charset="-127"/>
+                <a:ea typeface="SHeadG" panose="02030600000101010101" pitchFamily="18" charset="-127"/>
+              </a:rPr>
+              <a:t>Segment</a:t>
+            </a:r>
+            <a:endParaRPr kumimoji="1" lang="ko-Kore-KR" altLang="en-US" sz="1050" b="1" dirty="0">
+              <a:solidFill>
+                <a:srgbClr val="5DA2C5"/>
+              </a:solidFill>
+              <a:latin typeface="SHeadG" panose="02030600000101010101" pitchFamily="18" charset="-127"/>
+              <a:ea typeface="SHeadG" panose="02030600000101010101" pitchFamily="18" charset="-127"/>
+            </a:endParaRPr>
+          </a:p>
+        </p:txBody>
+      </p:sp>
+      <p:cxnSp>
+        <p:nvCxnSpPr>
+          <p:cNvPr id="119" name="직선 연결선[R] 118">
+            <a:extLst>
+              <a:ext uri="{FF2B5EF4-FFF2-40B4-BE49-F238E27FC236}">
+                <a16:creationId xmlns:a16="http://schemas.microsoft.com/office/drawing/2014/main" id="{51079665-A2D4-6641-8887-73A4F206E2B9}"/>
+              </a:ext>
+            </a:extLst>
+          </p:cNvPr>
+          <p:cNvCxnSpPr>
+            <a:cxnSpLocks/>
+          </p:cNvCxnSpPr>
+          <p:nvPr/>
+        </p:nvCxnSpPr>
+        <p:spPr>
+          <a:xfrm>
+            <a:off x="4046341" y="3052527"/>
+            <a:ext cx="0" cy="1271495"/>
+          </a:xfrm>
+          <a:prstGeom prst="line">
+            <a:avLst/>
+          </a:prstGeom>
+          <a:ln w="25400">
+            <a:solidFill>
+              <a:srgbClr val="5DA2C5"/>
+            </a:solidFill>
+          </a:ln>
+        </p:spPr>
+        <p:style>
+          <a:lnRef idx="1">
+            <a:schemeClr val="accent1"/>
+          </a:lnRef>
+          <a:fillRef idx="0">
+            <a:schemeClr val="accent1"/>
+          </a:fillRef>
+          <a:effectRef idx="0">
+            <a:schemeClr val="accent1"/>
+          </a:effectRef>
+          <a:fontRef idx="minor">
+            <a:schemeClr val="tx1"/>
+          </a:fontRef>
+        </p:style>
+      </p:cxnSp>
+      <p:sp>
+        <p:nvSpPr>
+          <p:cNvPr id="120" name="TextBox 119">
+            <a:extLst>
+              <a:ext uri="{FF2B5EF4-FFF2-40B4-BE49-F238E27FC236}">
+                <a16:creationId xmlns:a16="http://schemas.microsoft.com/office/drawing/2014/main" id="{3B4E3EEF-8EDF-4742-BC37-827943B96FAA}"/>
+              </a:ext>
+            </a:extLst>
+          </p:cNvPr>
+          <p:cNvSpPr txBox="1"/>
+          <p:nvPr/>
+        </p:nvSpPr>
+        <p:spPr>
+          <a:xfrm>
+            <a:off x="3341541" y="3474209"/>
+            <a:ext cx="793146" cy="253916"/>
+          </a:xfrm>
+          <a:prstGeom prst="rect">
+            <a:avLst/>
+          </a:prstGeom>
+          <a:noFill/>
+        </p:spPr>
+        <p:txBody>
+          <a:bodyPr wrap="square" rtlCol="0">
+            <a:spAutoFit/>
+          </a:bodyPr>
+          <a:lstStyle/>
+          <a:p>
+            <a:pPr algn="ctr"/>
+            <a:r>
+              <a:rPr kumimoji="1" lang="en-US" altLang="ko-Kore-KR" sz="1050" b="1" dirty="0">
+                <a:solidFill>
+                  <a:srgbClr val="5DA2C5"/>
+                </a:solidFill>
+                <a:latin typeface="SHeadG" panose="02030600000101010101" pitchFamily="18" charset="-127"/>
+                <a:ea typeface="SHeadG" panose="02030600000101010101" pitchFamily="18" charset="-127"/>
+              </a:rPr>
+              <a:t>Segment</a:t>
+            </a:r>
+            <a:endParaRPr kumimoji="1" lang="ko-Kore-KR" altLang="en-US" sz="1050" b="1" dirty="0">
+              <a:solidFill>
+                <a:srgbClr val="5DA2C5"/>
+              </a:solidFill>
+              <a:latin typeface="SHeadG" panose="02030600000101010101" pitchFamily="18" charset="-127"/>
+              <a:ea typeface="SHeadG" panose="02030600000101010101" pitchFamily="18" charset="-127"/>
+            </a:endParaRPr>
+          </a:p>
+        </p:txBody>
+      </p:sp>
+      <p:sp>
+        <p:nvSpPr>
+          <p:cNvPr id="121" name="TextBox 120">
+            <a:extLst>
+              <a:ext uri="{FF2B5EF4-FFF2-40B4-BE49-F238E27FC236}">
+                <a16:creationId xmlns:a16="http://schemas.microsoft.com/office/drawing/2014/main" id="{40994234-3A6C-2C4D-9317-C0ABB9763C03}"/>
+              </a:ext>
+            </a:extLst>
+          </p:cNvPr>
+          <p:cNvSpPr txBox="1"/>
+          <p:nvPr/>
+        </p:nvSpPr>
+        <p:spPr>
+          <a:xfrm>
+            <a:off x="3996272" y="3486209"/>
+            <a:ext cx="793146" cy="253916"/>
+          </a:xfrm>
+          <a:prstGeom prst="rect">
+            <a:avLst/>
+          </a:prstGeom>
+          <a:noFill/>
+        </p:spPr>
+        <p:txBody>
+          <a:bodyPr wrap="square" rtlCol="0">
+            <a:spAutoFit/>
+          </a:bodyPr>
+          <a:lstStyle/>
+          <a:p>
+            <a:pPr algn="ctr"/>
+            <a:r>
+              <a:rPr kumimoji="1" lang="en-US" altLang="ko-Kore-KR" sz="1050" b="1" dirty="0">
+                <a:solidFill>
+                  <a:srgbClr val="5DA2C5"/>
+                </a:solidFill>
+                <a:latin typeface="SHeadG" panose="02030600000101010101" pitchFamily="18" charset="-127"/>
+                <a:ea typeface="SHeadG" panose="02030600000101010101" pitchFamily="18" charset="-127"/>
+              </a:rPr>
+              <a:t>Segment</a:t>
+            </a:r>
+            <a:endParaRPr kumimoji="1" lang="ko-Kore-KR" altLang="en-US" sz="1050" b="1" dirty="0">
+              <a:solidFill>
+                <a:srgbClr val="5DA2C5"/>
+              </a:solidFill>
+              <a:latin typeface="SHeadG" panose="02030600000101010101" pitchFamily="18" charset="-127"/>
+              <a:ea typeface="SHeadG" panose="02030600000101010101" pitchFamily="18" charset="-127"/>
+            </a:endParaRPr>
+          </a:p>
+        </p:txBody>
+      </p:sp>
+      <p:cxnSp>
+        <p:nvCxnSpPr>
+          <p:cNvPr id="122" name="직선 연결선[R] 121">
+            <a:extLst>
+              <a:ext uri="{FF2B5EF4-FFF2-40B4-BE49-F238E27FC236}">
+                <a16:creationId xmlns:a16="http://schemas.microsoft.com/office/drawing/2014/main" id="{03592293-B59A-564C-AC36-46FE7A776AE9}"/>
+              </a:ext>
+            </a:extLst>
+          </p:cNvPr>
+          <p:cNvCxnSpPr>
+            <a:cxnSpLocks/>
+          </p:cNvCxnSpPr>
+          <p:nvPr/>
+        </p:nvCxnSpPr>
+        <p:spPr>
+          <a:xfrm>
+            <a:off x="5406851" y="3037342"/>
+            <a:ext cx="0" cy="1271495"/>
+          </a:xfrm>
+          <a:prstGeom prst="line">
+            <a:avLst/>
+          </a:prstGeom>
+          <a:ln w="25400">
+            <a:solidFill>
+              <a:srgbClr val="5DA2C5"/>
+            </a:solidFill>
+          </a:ln>
+        </p:spPr>
+        <p:style>
+          <a:lnRef idx="1">
+            <a:schemeClr val="accent1"/>
+          </a:lnRef>
+          <a:fillRef idx="0">
+            <a:schemeClr val="accent1"/>
+          </a:fillRef>
+          <a:effectRef idx="0">
+            <a:schemeClr val="accent1"/>
+          </a:effectRef>
+          <a:fontRef idx="minor">
+            <a:schemeClr val="tx1"/>
+          </a:fontRef>
+        </p:style>
+      </p:cxnSp>
+      <p:sp>
+        <p:nvSpPr>
+          <p:cNvPr id="123" name="TextBox 122">
+            <a:extLst>
+              <a:ext uri="{FF2B5EF4-FFF2-40B4-BE49-F238E27FC236}">
+                <a16:creationId xmlns:a16="http://schemas.microsoft.com/office/drawing/2014/main" id="{2DD7040F-5639-6346-A20A-14992665026D}"/>
+              </a:ext>
+            </a:extLst>
+          </p:cNvPr>
+          <p:cNvSpPr txBox="1"/>
+          <p:nvPr/>
+        </p:nvSpPr>
+        <p:spPr>
+          <a:xfrm>
+            <a:off x="4702051" y="3480044"/>
+            <a:ext cx="793146" cy="253916"/>
+          </a:xfrm>
+          <a:prstGeom prst="rect">
+            <a:avLst/>
+          </a:prstGeom>
+          <a:noFill/>
+        </p:spPr>
+        <p:txBody>
+          <a:bodyPr wrap="square" rtlCol="0">
+            <a:spAutoFit/>
+          </a:bodyPr>
+          <a:lstStyle/>
+          <a:p>
+            <a:pPr algn="ctr"/>
+            <a:r>
+              <a:rPr kumimoji="1" lang="en-US" altLang="ko-Kore-KR" sz="1050" b="1" dirty="0">
+                <a:solidFill>
+                  <a:srgbClr val="5DA2C5"/>
+                </a:solidFill>
+                <a:latin typeface="SHeadG" panose="02030600000101010101" pitchFamily="18" charset="-127"/>
+                <a:ea typeface="SHeadG" panose="02030600000101010101" pitchFamily="18" charset="-127"/>
+              </a:rPr>
+              <a:t>Segment</a:t>
+            </a:r>
+            <a:endParaRPr kumimoji="1" lang="ko-Kore-KR" altLang="en-US" sz="1050" b="1" dirty="0">
+              <a:solidFill>
+                <a:srgbClr val="5DA2C5"/>
+              </a:solidFill>
+              <a:latin typeface="SHeadG" panose="02030600000101010101" pitchFamily="18" charset="-127"/>
+              <a:ea typeface="SHeadG" panose="02030600000101010101" pitchFamily="18" charset="-127"/>
+            </a:endParaRPr>
+          </a:p>
+        </p:txBody>
+      </p:sp>
+      <p:sp>
+        <p:nvSpPr>
+          <p:cNvPr id="124" name="TextBox 123">
+            <a:extLst>
+              <a:ext uri="{FF2B5EF4-FFF2-40B4-BE49-F238E27FC236}">
+                <a16:creationId xmlns:a16="http://schemas.microsoft.com/office/drawing/2014/main" id="{52F4FFB6-2B9E-3145-9207-12806D283667}"/>
+              </a:ext>
+            </a:extLst>
+          </p:cNvPr>
+          <p:cNvSpPr txBox="1"/>
+          <p:nvPr/>
+        </p:nvSpPr>
+        <p:spPr>
+          <a:xfrm>
+            <a:off x="5335762" y="3460514"/>
+            <a:ext cx="793146" cy="253916"/>
+          </a:xfrm>
+          <a:prstGeom prst="rect">
+            <a:avLst/>
+          </a:prstGeom>
+          <a:noFill/>
+        </p:spPr>
+        <p:txBody>
+          <a:bodyPr wrap="square" rtlCol="0">
+            <a:spAutoFit/>
+          </a:bodyPr>
+          <a:lstStyle/>
+          <a:p>
+            <a:pPr algn="ctr"/>
+            <a:r>
+              <a:rPr kumimoji="1" lang="en-US" altLang="ko-Kore-KR" sz="1050" b="1" dirty="0">
+                <a:solidFill>
+                  <a:srgbClr val="5DA2C5"/>
+                </a:solidFill>
+                <a:latin typeface="SHeadG" panose="02030600000101010101" pitchFamily="18" charset="-127"/>
+                <a:ea typeface="SHeadG" panose="02030600000101010101" pitchFamily="18" charset="-127"/>
+              </a:rPr>
+              <a:t>Segment</a:t>
+            </a:r>
+            <a:endParaRPr kumimoji="1" lang="ko-Kore-KR" altLang="en-US" sz="1050" b="1" dirty="0">
+              <a:solidFill>
+                <a:srgbClr val="5DA2C5"/>
+              </a:solidFill>
+              <a:latin typeface="SHeadG" panose="02030600000101010101" pitchFamily="18" charset="-127"/>
+              <a:ea typeface="SHeadG" panose="02030600000101010101" pitchFamily="18" charset="-127"/>
+            </a:endParaRPr>
+          </a:p>
+        </p:txBody>
+      </p:sp>
+      <p:cxnSp>
+        <p:nvCxnSpPr>
+          <p:cNvPr id="125" name="직선 연결선[R] 124">
+            <a:extLst>
+              <a:ext uri="{FF2B5EF4-FFF2-40B4-BE49-F238E27FC236}">
+                <a16:creationId xmlns:a16="http://schemas.microsoft.com/office/drawing/2014/main" id="{75565059-F9FC-3E4F-A8DA-EDABD7C7D488}"/>
+              </a:ext>
+            </a:extLst>
+          </p:cNvPr>
+          <p:cNvCxnSpPr>
+            <a:cxnSpLocks/>
+          </p:cNvCxnSpPr>
+          <p:nvPr/>
+        </p:nvCxnSpPr>
+        <p:spPr>
+          <a:xfrm>
+            <a:off x="6767361" y="3022157"/>
+            <a:ext cx="0" cy="1271495"/>
+          </a:xfrm>
+          <a:prstGeom prst="line">
+            <a:avLst/>
+          </a:prstGeom>
+          <a:ln w="25400">
+            <a:solidFill>
+              <a:srgbClr val="5DA2C5"/>
+            </a:solidFill>
+          </a:ln>
+        </p:spPr>
+        <p:style>
+          <a:lnRef idx="1">
+            <a:schemeClr val="accent1"/>
+          </a:lnRef>
+          <a:fillRef idx="0">
+            <a:schemeClr val="accent1"/>
+          </a:fillRef>
+          <a:effectRef idx="0">
+            <a:schemeClr val="accent1"/>
+          </a:effectRef>
+          <a:fontRef idx="minor">
+            <a:schemeClr val="tx1"/>
+          </a:fontRef>
+        </p:style>
+      </p:cxnSp>
+      <p:sp>
+        <p:nvSpPr>
+          <p:cNvPr id="126" name="TextBox 125">
+            <a:extLst>
+              <a:ext uri="{FF2B5EF4-FFF2-40B4-BE49-F238E27FC236}">
+                <a16:creationId xmlns:a16="http://schemas.microsoft.com/office/drawing/2014/main" id="{BFCF94A2-BB21-2241-9479-EB42C19AA1C1}"/>
+              </a:ext>
+            </a:extLst>
+          </p:cNvPr>
+          <p:cNvSpPr txBox="1"/>
+          <p:nvPr/>
+        </p:nvSpPr>
+        <p:spPr>
+          <a:xfrm>
+            <a:off x="6062561" y="3464859"/>
+            <a:ext cx="793146" cy="253916"/>
+          </a:xfrm>
+          <a:prstGeom prst="rect">
+            <a:avLst/>
+          </a:prstGeom>
+          <a:noFill/>
+        </p:spPr>
+        <p:txBody>
+          <a:bodyPr wrap="square" rtlCol="0">
+            <a:spAutoFit/>
+          </a:bodyPr>
+          <a:lstStyle/>
+          <a:p>
+            <a:pPr algn="ctr"/>
+            <a:r>
+              <a:rPr kumimoji="1" lang="en-US" altLang="ko-Kore-KR" sz="1050" b="1" dirty="0">
+                <a:solidFill>
+                  <a:srgbClr val="5DA2C5"/>
+                </a:solidFill>
+                <a:latin typeface="SHeadG" panose="02030600000101010101" pitchFamily="18" charset="-127"/>
+                <a:ea typeface="SHeadG" panose="02030600000101010101" pitchFamily="18" charset="-127"/>
+              </a:rPr>
+              <a:t>Segment</a:t>
+            </a:r>
+            <a:endParaRPr kumimoji="1" lang="ko-Kore-KR" altLang="en-US" sz="1050" b="1" dirty="0">
+              <a:solidFill>
+                <a:srgbClr val="5DA2C5"/>
+              </a:solidFill>
+              <a:latin typeface="SHeadG" panose="02030600000101010101" pitchFamily="18" charset="-127"/>
+              <a:ea typeface="SHeadG" panose="02030600000101010101" pitchFamily="18" charset="-127"/>
+            </a:endParaRPr>
+          </a:p>
+        </p:txBody>
+      </p:sp>
+      <p:sp>
+        <p:nvSpPr>
+          <p:cNvPr id="127" name="TextBox 126">
+            <a:extLst>
+              <a:ext uri="{FF2B5EF4-FFF2-40B4-BE49-F238E27FC236}">
+                <a16:creationId xmlns:a16="http://schemas.microsoft.com/office/drawing/2014/main" id="{55326B7D-50D7-FC45-AC1C-464EC5E3F15F}"/>
+              </a:ext>
+            </a:extLst>
+          </p:cNvPr>
+          <p:cNvSpPr txBox="1"/>
+          <p:nvPr/>
+        </p:nvSpPr>
+        <p:spPr>
+          <a:xfrm>
+            <a:off x="6696272" y="3466349"/>
+            <a:ext cx="793146" cy="253916"/>
+          </a:xfrm>
+          <a:prstGeom prst="rect">
+            <a:avLst/>
+          </a:prstGeom>
+          <a:noFill/>
+        </p:spPr>
+        <p:txBody>
+          <a:bodyPr wrap="square" rtlCol="0">
+            <a:spAutoFit/>
+          </a:bodyPr>
+          <a:lstStyle/>
+          <a:p>
+            <a:pPr algn="ctr"/>
+            <a:r>
+              <a:rPr kumimoji="1" lang="en-US" altLang="ko-Kore-KR" sz="1050" b="1" dirty="0">
+                <a:solidFill>
+                  <a:srgbClr val="5DA2C5"/>
+                </a:solidFill>
+                <a:latin typeface="SHeadG" panose="02030600000101010101" pitchFamily="18" charset="-127"/>
+                <a:ea typeface="SHeadG" panose="02030600000101010101" pitchFamily="18" charset="-127"/>
+              </a:rPr>
+              <a:t>Segment</a:t>
+            </a:r>
+            <a:endParaRPr kumimoji="1" lang="ko-Kore-KR" altLang="en-US" sz="1050" b="1" dirty="0">
+              <a:solidFill>
+                <a:srgbClr val="5DA2C5"/>
+              </a:solidFill>
+              <a:latin typeface="SHeadG" panose="02030600000101010101" pitchFamily="18" charset="-127"/>
+              <a:ea typeface="SHeadG" panose="02030600000101010101" pitchFamily="18" charset="-127"/>
+            </a:endParaRPr>
+          </a:p>
+        </p:txBody>
+      </p:sp>
+    </p:spTree>
+    <p:extLst>
+      <p:ext uri="{BB962C8B-B14F-4D97-AF65-F5344CB8AC3E}">
+        <p14:creationId xmlns:p14="http://schemas.microsoft.com/office/powerpoint/2010/main" val="141505513"/>
+      </p:ext>
+    </p:extLst>
+  </p:cSld>
+  <p:clrMapOvr>
+    <a:masterClrMapping/>
+  </p:clrMapOvr>
+</p:sld>
+</file>
+
+<file path=ppt/slides/slide3.xml><?xml version="1.0" encoding="utf-8"?>
+<p:sld xmlns:a="http://schemas.openxmlformats.org/drawingml/2006/main" xmlns:r="http://schemas.openxmlformats.org/officeDocument/2006/relationships" xmlns:p="http://schemas.openxmlformats.org/presentationml/2006/main">
+  <p:cSld>
+    <p:spTree>
+      <p:nvGrpSpPr>
+        <p:cNvPr id="1" name=""/>
+        <p:cNvGrpSpPr/>
+        <p:nvPr/>
+      </p:nvGrpSpPr>
+      <p:grpSpPr>
+        <a:xfrm>
+          <a:off x="0" y="0"/>
+          <a:ext cx="0" cy="0"/>
+          <a:chOff x="0" y="0"/>
+          <a:chExt cx="0" cy="0"/>
+        </a:xfrm>
+      </p:grpSpPr>
+      <p:grpSp>
+        <p:nvGrpSpPr>
+          <p:cNvPr id="30" name="그룹 29">
+            <a:extLst>
+              <a:ext uri="{FF2B5EF4-FFF2-40B4-BE49-F238E27FC236}">
+                <a16:creationId xmlns:a16="http://schemas.microsoft.com/office/drawing/2014/main" id="{EC66F23E-A1D8-0F42-B26E-9A53D636FB6D}"/>
+              </a:ext>
+            </a:extLst>
+          </p:cNvPr>
+          <p:cNvGrpSpPr/>
+          <p:nvPr/>
+        </p:nvGrpSpPr>
+        <p:grpSpPr>
+          <a:xfrm>
+            <a:off x="3339825" y="2942326"/>
+            <a:ext cx="1055787" cy="486674"/>
+            <a:chOff x="3999667" y="649173"/>
+            <a:chExt cx="1055787" cy="486674"/>
+          </a:xfrm>
+        </p:grpSpPr>
+        <p:sp>
+          <p:nvSpPr>
+            <p:cNvPr id="31" name="직사각형 30">
+              <a:extLst>
+                <a:ext uri="{FF2B5EF4-FFF2-40B4-BE49-F238E27FC236}">
+                  <a16:creationId xmlns:a16="http://schemas.microsoft.com/office/drawing/2014/main" id="{BA34B722-177B-1E44-AE06-F57A6DC0ECDD}"/>
+                </a:ext>
+              </a:extLst>
+            </p:cNvPr>
+            <p:cNvSpPr/>
+            <p:nvPr/>
+          </p:nvSpPr>
+          <p:spPr>
+            <a:xfrm>
+              <a:off x="3999667" y="649173"/>
+              <a:ext cx="1055787" cy="486674"/>
+            </a:xfrm>
+            <a:prstGeom prst="rect">
+              <a:avLst/>
+            </a:prstGeom>
+            <a:ln w="25400">
+              <a:solidFill>
+                <a:srgbClr val="5DA2C5"/>
+              </a:solidFill>
+            </a:ln>
+          </p:spPr>
+          <p:style>
+            <a:lnRef idx="1">
+              <a:schemeClr val="accent1"/>
+            </a:lnRef>
+            <a:fillRef idx="0">
+              <a:schemeClr val="accent1"/>
+            </a:fillRef>
+            <a:effectRef idx="0">
+              <a:schemeClr val="accent1"/>
+            </a:effectRef>
+            <a:fontRef idx="minor">
+              <a:schemeClr val="tx1"/>
+            </a:fontRef>
+          </p:style>
+          <p:txBody>
+            <a:bodyPr rtlCol="0" anchor="ctr"/>
+            <a:lstStyle/>
+            <a:p>
+              <a:pPr algn="ctr"/>
+              <a:endParaRPr kumimoji="1" lang="ko-Kore-KR" altLang="en-US"/>
+            </a:p>
+          </p:txBody>
+        </p:sp>
+        <p:sp>
+          <p:nvSpPr>
+            <p:cNvPr id="32" name="TextBox 31">
+              <a:extLst>
+                <a:ext uri="{FF2B5EF4-FFF2-40B4-BE49-F238E27FC236}">
+                  <a16:creationId xmlns:a16="http://schemas.microsoft.com/office/drawing/2014/main" id="{1A3B1084-AA86-6142-8999-7E90DB13060E}"/>
+                </a:ext>
+              </a:extLst>
+            </p:cNvPr>
+            <p:cNvSpPr txBox="1"/>
+            <p:nvPr/>
+          </p:nvSpPr>
+          <p:spPr>
+            <a:xfrm>
+              <a:off x="4067326" y="747627"/>
+              <a:ext cx="920467" cy="276999"/>
+            </a:xfrm>
+            <a:prstGeom prst="rect">
+              <a:avLst/>
+            </a:prstGeom>
+            <a:noFill/>
+          </p:spPr>
+          <p:txBody>
+            <a:bodyPr wrap="square" rtlCol="0">
+              <a:spAutoFit/>
+            </a:bodyPr>
+            <a:lstStyle/>
+            <a:p>
+              <a:pPr algn="ctr"/>
+              <a:r>
+                <a:rPr kumimoji="1" lang="en-US" altLang="ko-Kore-KR" sz="1200" b="1" dirty="0">
+                  <a:solidFill>
+                    <a:srgbClr val="5DA2C5"/>
+                  </a:solidFill>
+                  <a:latin typeface="SHeadG" panose="02030600000101010101" pitchFamily="18" charset="-127"/>
+                  <a:ea typeface="SHeadG" panose="02030600000101010101" pitchFamily="18" charset="-127"/>
+                </a:rPr>
+                <a:t>Segment</a:t>
+              </a:r>
+              <a:endParaRPr kumimoji="1" lang="ko-Kore-KR" altLang="en-US" sz="1200" b="1" dirty="0">
+                <a:solidFill>
+                  <a:srgbClr val="5DA2C5"/>
+                </a:solidFill>
+                <a:latin typeface="SHeadG" panose="02030600000101010101" pitchFamily="18" charset="-127"/>
+                <a:ea typeface="SHeadG" panose="02030600000101010101" pitchFamily="18" charset="-127"/>
+              </a:endParaRPr>
+            </a:p>
+          </p:txBody>
+        </p:sp>
+      </p:grpSp>
+      <p:grpSp>
+        <p:nvGrpSpPr>
+          <p:cNvPr id="33" name="그룹 32">
+            <a:extLst>
+              <a:ext uri="{FF2B5EF4-FFF2-40B4-BE49-F238E27FC236}">
+                <a16:creationId xmlns:a16="http://schemas.microsoft.com/office/drawing/2014/main" id="{E56689FD-469F-624C-984E-64052D0B97FA}"/>
+              </a:ext>
+            </a:extLst>
+          </p:cNvPr>
+          <p:cNvGrpSpPr/>
+          <p:nvPr/>
+        </p:nvGrpSpPr>
+        <p:grpSpPr>
+          <a:xfrm>
+            <a:off x="4921632" y="2942326"/>
+            <a:ext cx="1055787" cy="486674"/>
+            <a:chOff x="3999667" y="649173"/>
+            <a:chExt cx="1055787" cy="486674"/>
+          </a:xfrm>
+        </p:grpSpPr>
+        <p:sp>
+          <p:nvSpPr>
+            <p:cNvPr id="34" name="직사각형 33">
+              <a:extLst>
+                <a:ext uri="{FF2B5EF4-FFF2-40B4-BE49-F238E27FC236}">
+                  <a16:creationId xmlns:a16="http://schemas.microsoft.com/office/drawing/2014/main" id="{20A3089F-4CC4-CF41-9CC2-9FAD8F5BF667}"/>
+                </a:ext>
+              </a:extLst>
+            </p:cNvPr>
+            <p:cNvSpPr/>
+            <p:nvPr/>
+          </p:nvSpPr>
+          <p:spPr>
+            <a:xfrm>
+              <a:off x="3999667" y="649173"/>
+              <a:ext cx="1055787" cy="486674"/>
+            </a:xfrm>
+            <a:prstGeom prst="rect">
+              <a:avLst/>
+            </a:prstGeom>
+            <a:ln w="25400">
+              <a:solidFill>
+                <a:srgbClr val="5DA2C5"/>
+              </a:solidFill>
+            </a:ln>
+          </p:spPr>
+          <p:style>
+            <a:lnRef idx="1">
+              <a:schemeClr val="accent1"/>
+            </a:lnRef>
+            <a:fillRef idx="0">
+              <a:schemeClr val="accent1"/>
+            </a:fillRef>
+            <a:effectRef idx="0">
+              <a:schemeClr val="accent1"/>
+            </a:effectRef>
+            <a:fontRef idx="minor">
+              <a:schemeClr val="tx1"/>
+            </a:fontRef>
+          </p:style>
+          <p:txBody>
+            <a:bodyPr rtlCol="0" anchor="ctr"/>
+            <a:lstStyle/>
+            <a:p>
+              <a:pPr algn="ctr"/>
+              <a:endParaRPr kumimoji="1" lang="ko-Kore-KR" altLang="en-US"/>
+            </a:p>
+          </p:txBody>
+        </p:sp>
+        <p:sp>
+          <p:nvSpPr>
+            <p:cNvPr id="35" name="TextBox 34">
+              <a:extLst>
+                <a:ext uri="{FF2B5EF4-FFF2-40B4-BE49-F238E27FC236}">
+                  <a16:creationId xmlns:a16="http://schemas.microsoft.com/office/drawing/2014/main" id="{82309FBF-2C7B-3743-B6F3-953258262518}"/>
+                </a:ext>
+              </a:extLst>
+            </p:cNvPr>
+            <p:cNvSpPr txBox="1"/>
+            <p:nvPr/>
+          </p:nvSpPr>
+          <p:spPr>
+            <a:xfrm>
+              <a:off x="4067326" y="747627"/>
+              <a:ext cx="920467" cy="276999"/>
+            </a:xfrm>
+            <a:prstGeom prst="rect">
+              <a:avLst/>
+            </a:prstGeom>
+            <a:noFill/>
+          </p:spPr>
+          <p:txBody>
+            <a:bodyPr wrap="square" rtlCol="0">
+              <a:spAutoFit/>
+            </a:bodyPr>
+            <a:lstStyle/>
+            <a:p>
+              <a:pPr algn="ctr"/>
+              <a:r>
+                <a:rPr kumimoji="1" lang="en-US" altLang="ko-Kore-KR" sz="1200" b="1" dirty="0">
+                  <a:solidFill>
+                    <a:srgbClr val="5DA2C5"/>
+                  </a:solidFill>
+                  <a:latin typeface="SHeadG" panose="02030600000101010101" pitchFamily="18" charset="-127"/>
+                  <a:ea typeface="SHeadG" panose="02030600000101010101" pitchFamily="18" charset="-127"/>
+                </a:rPr>
+                <a:t>Segment</a:t>
+              </a:r>
+              <a:endParaRPr kumimoji="1" lang="ko-Kore-KR" altLang="en-US" sz="1200" b="1" dirty="0">
+                <a:solidFill>
+                  <a:srgbClr val="5DA2C5"/>
+                </a:solidFill>
+                <a:latin typeface="SHeadG" panose="02030600000101010101" pitchFamily="18" charset="-127"/>
+                <a:ea typeface="SHeadG" panose="02030600000101010101" pitchFamily="18" charset="-127"/>
+              </a:endParaRPr>
+            </a:p>
+          </p:txBody>
+        </p:sp>
+      </p:grpSp>
+      <p:grpSp>
+        <p:nvGrpSpPr>
+          <p:cNvPr id="36" name="그룹 35">
+            <a:extLst>
+              <a:ext uri="{FF2B5EF4-FFF2-40B4-BE49-F238E27FC236}">
+                <a16:creationId xmlns:a16="http://schemas.microsoft.com/office/drawing/2014/main" id="{D11BCB4B-D73E-B548-8A1C-8364424F840D}"/>
+              </a:ext>
+            </a:extLst>
+          </p:cNvPr>
+          <p:cNvGrpSpPr/>
+          <p:nvPr/>
+        </p:nvGrpSpPr>
+        <p:grpSpPr>
+          <a:xfrm>
+            <a:off x="6503439" y="2942326"/>
+            <a:ext cx="1055787" cy="486674"/>
+            <a:chOff x="3999667" y="649173"/>
+            <a:chExt cx="1055787" cy="486674"/>
+          </a:xfrm>
+        </p:grpSpPr>
+        <p:sp>
+          <p:nvSpPr>
+            <p:cNvPr id="37" name="직사각형 36">
+              <a:extLst>
+                <a:ext uri="{FF2B5EF4-FFF2-40B4-BE49-F238E27FC236}">
+                  <a16:creationId xmlns:a16="http://schemas.microsoft.com/office/drawing/2014/main" id="{395EC3EB-A165-9947-AADC-C76ADC4EE0F4}"/>
+                </a:ext>
+              </a:extLst>
+            </p:cNvPr>
+            <p:cNvSpPr/>
+            <p:nvPr/>
+          </p:nvSpPr>
+          <p:spPr>
+            <a:xfrm>
+              <a:off x="3999667" y="649173"/>
+              <a:ext cx="1055787" cy="486674"/>
+            </a:xfrm>
+            <a:prstGeom prst="rect">
+              <a:avLst/>
+            </a:prstGeom>
+            <a:ln w="25400">
+              <a:solidFill>
+                <a:srgbClr val="5DA2C5"/>
+              </a:solidFill>
+            </a:ln>
+          </p:spPr>
+          <p:style>
+            <a:lnRef idx="1">
+              <a:schemeClr val="accent1"/>
+            </a:lnRef>
+            <a:fillRef idx="0">
+              <a:schemeClr val="accent1"/>
+            </a:fillRef>
+            <a:effectRef idx="0">
+              <a:schemeClr val="accent1"/>
+            </a:effectRef>
+            <a:fontRef idx="minor">
+              <a:schemeClr val="tx1"/>
+            </a:fontRef>
+          </p:style>
+          <p:txBody>
+            <a:bodyPr rtlCol="0" anchor="ctr"/>
+            <a:lstStyle/>
+            <a:p>
+              <a:pPr algn="ctr"/>
+              <a:endParaRPr kumimoji="1" lang="ko-Kore-KR" altLang="en-US"/>
+            </a:p>
+          </p:txBody>
+        </p:sp>
+        <p:sp>
+          <p:nvSpPr>
+            <p:cNvPr id="38" name="TextBox 37">
+              <a:extLst>
+                <a:ext uri="{FF2B5EF4-FFF2-40B4-BE49-F238E27FC236}">
+                  <a16:creationId xmlns:a16="http://schemas.microsoft.com/office/drawing/2014/main" id="{2467208C-A30E-6A47-AD00-D454881B7B83}"/>
+                </a:ext>
+              </a:extLst>
+            </p:cNvPr>
+            <p:cNvSpPr txBox="1"/>
+            <p:nvPr/>
+          </p:nvSpPr>
+          <p:spPr>
+            <a:xfrm>
+              <a:off x="4067326" y="747627"/>
+              <a:ext cx="920467" cy="276999"/>
+            </a:xfrm>
+            <a:prstGeom prst="rect">
+              <a:avLst/>
+            </a:prstGeom>
+            <a:noFill/>
+          </p:spPr>
+          <p:txBody>
+            <a:bodyPr wrap="square" rtlCol="0">
+              <a:spAutoFit/>
+            </a:bodyPr>
+            <a:lstStyle/>
+            <a:p>
+              <a:pPr algn="ctr"/>
+              <a:r>
+                <a:rPr kumimoji="1" lang="en-US" altLang="ko-Kore-KR" sz="1200" b="1" dirty="0">
+                  <a:solidFill>
+                    <a:srgbClr val="5DA2C5"/>
+                  </a:solidFill>
+                  <a:latin typeface="SHeadG" panose="02030600000101010101" pitchFamily="18" charset="-127"/>
+                  <a:ea typeface="SHeadG" panose="02030600000101010101" pitchFamily="18" charset="-127"/>
+                </a:rPr>
+                <a:t>Segment</a:t>
+              </a:r>
+              <a:endParaRPr kumimoji="1" lang="ko-Kore-KR" altLang="en-US" sz="1200" b="1" dirty="0">
+                <a:solidFill>
+                  <a:srgbClr val="5DA2C5"/>
+                </a:solidFill>
+                <a:latin typeface="SHeadG" panose="02030600000101010101" pitchFamily="18" charset="-127"/>
+                <a:ea typeface="SHeadG" panose="02030600000101010101" pitchFamily="18" charset="-127"/>
+              </a:endParaRPr>
+            </a:p>
+          </p:txBody>
+        </p:sp>
+      </p:grpSp>
+      <p:cxnSp>
+        <p:nvCxnSpPr>
+          <p:cNvPr id="39" name="직선 연결선[R] 38">
+            <a:extLst>
+              <a:ext uri="{FF2B5EF4-FFF2-40B4-BE49-F238E27FC236}">
+                <a16:creationId xmlns:a16="http://schemas.microsoft.com/office/drawing/2014/main" id="{CD6CC45C-2F8D-DB4A-9B90-638B288AFEEF}"/>
+              </a:ext>
+            </a:extLst>
+          </p:cNvPr>
+          <p:cNvCxnSpPr>
+            <a:cxnSpLocks/>
+          </p:cNvCxnSpPr>
+          <p:nvPr/>
+        </p:nvCxnSpPr>
+        <p:spPr>
+          <a:xfrm>
+            <a:off x="3339825" y="2501462"/>
+            <a:ext cx="0" cy="366298"/>
+          </a:xfrm>
+          <a:prstGeom prst="line">
+            <a:avLst/>
+          </a:prstGeom>
+          <a:ln w="25400">
+            <a:solidFill>
+              <a:srgbClr val="5DA2C5"/>
+            </a:solidFill>
+          </a:ln>
+        </p:spPr>
+        <p:style>
+          <a:lnRef idx="1">
+            <a:schemeClr val="accent1"/>
+          </a:lnRef>
+          <a:fillRef idx="0">
+            <a:schemeClr val="accent1"/>
+          </a:fillRef>
+          <a:effectRef idx="0">
+            <a:schemeClr val="accent1"/>
+          </a:effectRef>
+          <a:fontRef idx="minor">
+            <a:schemeClr val="tx1"/>
+          </a:fontRef>
+        </p:style>
+      </p:cxnSp>
+      <p:cxnSp>
+        <p:nvCxnSpPr>
+          <p:cNvPr id="41" name="직선 연결선[R] 40">
+            <a:extLst>
+              <a:ext uri="{FF2B5EF4-FFF2-40B4-BE49-F238E27FC236}">
+                <a16:creationId xmlns:a16="http://schemas.microsoft.com/office/drawing/2014/main" id="{49C119BB-ABF7-FB49-B1AC-DF39E8FF9657}"/>
+              </a:ext>
+            </a:extLst>
+          </p:cNvPr>
+          <p:cNvCxnSpPr>
+            <a:cxnSpLocks/>
+          </p:cNvCxnSpPr>
+          <p:nvPr/>
+        </p:nvCxnSpPr>
+        <p:spPr>
+          <a:xfrm>
+            <a:off x="7559226" y="2501462"/>
+            <a:ext cx="0" cy="366298"/>
+          </a:xfrm>
+          <a:prstGeom prst="line">
+            <a:avLst/>
+          </a:prstGeom>
+          <a:ln w="25400">
+            <a:solidFill>
+              <a:srgbClr val="5DA2C5"/>
+            </a:solidFill>
+          </a:ln>
+        </p:spPr>
+        <p:style>
+          <a:lnRef idx="1">
+            <a:schemeClr val="accent1"/>
+          </a:lnRef>
+          <a:fillRef idx="0">
+            <a:schemeClr val="accent1"/>
+          </a:fillRef>
+          <a:effectRef idx="0">
+            <a:schemeClr val="accent1"/>
+          </a:effectRef>
+          <a:fontRef idx="minor">
+            <a:schemeClr val="tx1"/>
+          </a:fontRef>
+        </p:style>
+      </p:cxnSp>
+      <p:cxnSp>
+        <p:nvCxnSpPr>
+          <p:cNvPr id="42" name="직선 연결선[R] 41">
+            <a:extLst>
+              <a:ext uri="{FF2B5EF4-FFF2-40B4-BE49-F238E27FC236}">
+                <a16:creationId xmlns:a16="http://schemas.microsoft.com/office/drawing/2014/main" id="{6A48D1C5-85FA-614E-96EE-9641643461F0}"/>
+              </a:ext>
+            </a:extLst>
+          </p:cNvPr>
+          <p:cNvCxnSpPr>
+            <a:cxnSpLocks/>
+          </p:cNvCxnSpPr>
+          <p:nvPr/>
+        </p:nvCxnSpPr>
+        <p:spPr>
+          <a:xfrm>
+            <a:off x="3339825" y="2501462"/>
+            <a:ext cx="4219401" cy="0"/>
+          </a:xfrm>
+          <a:prstGeom prst="line">
+            <a:avLst/>
+          </a:prstGeom>
+          <a:ln w="25400">
+            <a:solidFill>
+              <a:srgbClr val="5DA2C5"/>
+            </a:solidFill>
+          </a:ln>
+        </p:spPr>
+        <p:style>
+          <a:lnRef idx="1">
+            <a:schemeClr val="accent1"/>
+          </a:lnRef>
+          <a:fillRef idx="0">
+            <a:schemeClr val="accent1"/>
+          </a:fillRef>
+          <a:effectRef idx="0">
+            <a:schemeClr val="accent1"/>
+          </a:effectRef>
+          <a:fontRef idx="minor">
+            <a:schemeClr val="tx1"/>
+          </a:fontRef>
+        </p:style>
+      </p:cxnSp>
+      <p:cxnSp>
+        <p:nvCxnSpPr>
+          <p:cNvPr id="45" name="직선 연결선[R] 44">
+            <a:extLst>
+              <a:ext uri="{FF2B5EF4-FFF2-40B4-BE49-F238E27FC236}">
+                <a16:creationId xmlns:a16="http://schemas.microsoft.com/office/drawing/2014/main" id="{49C50B4D-2010-9C4B-A6DA-2E23F4DEC68F}"/>
+              </a:ext>
+            </a:extLst>
+          </p:cNvPr>
+          <p:cNvCxnSpPr>
+            <a:cxnSpLocks/>
+          </p:cNvCxnSpPr>
+          <p:nvPr/>
+        </p:nvCxnSpPr>
+        <p:spPr>
+          <a:xfrm>
+            <a:off x="5504454" y="2312276"/>
+            <a:ext cx="0" cy="189186"/>
+          </a:xfrm>
+          <a:prstGeom prst="line">
+            <a:avLst/>
+          </a:prstGeom>
+          <a:ln w="25400">
+            <a:solidFill>
+              <a:srgbClr val="5DA2C5"/>
+            </a:solidFill>
+          </a:ln>
+        </p:spPr>
+        <p:style>
+          <a:lnRef idx="1">
+            <a:schemeClr val="accent1"/>
+          </a:lnRef>
+          <a:fillRef idx="0">
+            <a:schemeClr val="accent1"/>
+          </a:fillRef>
+          <a:effectRef idx="0">
+            <a:schemeClr val="accent1"/>
+          </a:effectRef>
+          <a:fontRef idx="minor">
+            <a:schemeClr val="tx1"/>
+          </a:fontRef>
+        </p:style>
+      </p:cxnSp>
+      <p:sp>
+        <p:nvSpPr>
+          <p:cNvPr id="49" name="TextBox 48">
+            <a:extLst>
+              <a:ext uri="{FF2B5EF4-FFF2-40B4-BE49-F238E27FC236}">
+                <a16:creationId xmlns:a16="http://schemas.microsoft.com/office/drawing/2014/main" id="{70B63EAA-5F48-8A40-8260-93BBCA7579A5}"/>
+              </a:ext>
+            </a:extLst>
+          </p:cNvPr>
+          <p:cNvSpPr txBox="1"/>
+          <p:nvPr/>
+        </p:nvSpPr>
+        <p:spPr>
+          <a:xfrm>
+            <a:off x="4713550" y="1996665"/>
+            <a:ext cx="1581807" cy="276999"/>
+          </a:xfrm>
+          <a:prstGeom prst="rect">
+            <a:avLst/>
+          </a:prstGeom>
+          <a:noFill/>
+        </p:spPr>
+        <p:txBody>
+          <a:bodyPr wrap="square" rtlCol="0">
+            <a:spAutoFit/>
+          </a:bodyPr>
+          <a:lstStyle/>
+          <a:p>
+            <a:pPr algn="ctr"/>
+            <a:r>
+              <a:rPr kumimoji="1" lang="en-US" altLang="ko-Kore-KR" sz="1200" b="1" dirty="0">
+                <a:solidFill>
+                  <a:srgbClr val="5DA2C5"/>
+                </a:solidFill>
+                <a:latin typeface="SHeadG" panose="02030600000101010101" pitchFamily="18" charset="-127"/>
+                <a:ea typeface="SHeadG" panose="02030600000101010101" pitchFamily="18" charset="-127"/>
+              </a:rPr>
+              <a:t>Commit Point</a:t>
+            </a:r>
+            <a:endParaRPr kumimoji="1" lang="ko-Kore-KR" altLang="en-US" sz="1200" b="1" dirty="0">
+              <a:solidFill>
+                <a:srgbClr val="5DA2C5"/>
+              </a:solidFill>
+              <a:latin typeface="SHeadG" panose="02030600000101010101" pitchFamily="18" charset="-127"/>
+              <a:ea typeface="SHeadG" panose="02030600000101010101" pitchFamily="18" charset="-127"/>
+            </a:endParaRPr>
+          </a:p>
+        </p:txBody>
+      </p:sp>
+    </p:spTree>
+    <p:extLst>
+      <p:ext uri="{BB962C8B-B14F-4D97-AF65-F5344CB8AC3E}">
+        <p14:creationId xmlns:p14="http://schemas.microsoft.com/office/powerpoint/2010/main" val="3676705064"/>
+      </p:ext>
+    </p:extLst>
+  </p:cSld>
+  <p:clrMapOvr>
+    <a:masterClrMapping/>
+  </p:clrMapOvr>
+</p:sld>
+</file>
+
+<file path=ppt/slides/slide4.xml><?xml version="1.0" encoding="utf-8"?>
+<p:sld xmlns:a="http://schemas.openxmlformats.org/drawingml/2006/main" xmlns:r="http://schemas.openxmlformats.org/officeDocument/2006/relationships" xmlns:p="http://schemas.openxmlformats.org/presentationml/2006/main">
+  <p:cSld>
+    <p:spTree>
+      <p:nvGrpSpPr>
+        <p:cNvPr id="1" name=""/>
+        <p:cNvGrpSpPr/>
+        <p:nvPr/>
+      </p:nvGrpSpPr>
+      <p:grpSpPr>
+        <a:xfrm>
+          <a:off x="0" y="0"/>
+          <a:ext cx="0" cy="0"/>
+          <a:chOff x="0" y="0"/>
+          <a:chExt cx="0" cy="0"/>
+        </a:xfrm>
+      </p:grpSpPr>
+      <p:grpSp>
+        <p:nvGrpSpPr>
+          <p:cNvPr id="30" name="그룹 29">
+            <a:extLst>
+              <a:ext uri="{FF2B5EF4-FFF2-40B4-BE49-F238E27FC236}">
+                <a16:creationId xmlns:a16="http://schemas.microsoft.com/office/drawing/2014/main" id="{EC66F23E-A1D8-0F42-B26E-9A53D636FB6D}"/>
+              </a:ext>
+            </a:extLst>
+          </p:cNvPr>
+          <p:cNvGrpSpPr/>
+          <p:nvPr/>
+        </p:nvGrpSpPr>
+        <p:grpSpPr>
+          <a:xfrm>
+            <a:off x="3602583" y="2027926"/>
+            <a:ext cx="1055787" cy="486674"/>
+            <a:chOff x="3999667" y="649173"/>
+            <a:chExt cx="1055787" cy="486674"/>
+          </a:xfrm>
+        </p:grpSpPr>
+        <p:sp>
+          <p:nvSpPr>
+            <p:cNvPr id="31" name="직사각형 30">
+              <a:extLst>
+                <a:ext uri="{FF2B5EF4-FFF2-40B4-BE49-F238E27FC236}">
+                  <a16:creationId xmlns:a16="http://schemas.microsoft.com/office/drawing/2014/main" id="{BA34B722-177B-1E44-AE06-F57A6DC0ECDD}"/>
+                </a:ext>
+              </a:extLst>
+            </p:cNvPr>
+            <p:cNvSpPr/>
+            <p:nvPr/>
+          </p:nvSpPr>
+          <p:spPr>
+            <a:xfrm>
+              <a:off x="3999667" y="649173"/>
+              <a:ext cx="1055787" cy="486674"/>
+            </a:xfrm>
+            <a:prstGeom prst="rect">
+              <a:avLst/>
+            </a:prstGeom>
+            <a:ln w="25400">
+              <a:solidFill>
+                <a:srgbClr val="5DA2C5"/>
+              </a:solidFill>
+            </a:ln>
+          </p:spPr>
+          <p:style>
+            <a:lnRef idx="1">
+              <a:schemeClr val="accent1"/>
+            </a:lnRef>
+            <a:fillRef idx="0">
+              <a:schemeClr val="accent1"/>
+            </a:fillRef>
+            <a:effectRef idx="0">
+              <a:schemeClr val="accent1"/>
+            </a:effectRef>
+            <a:fontRef idx="minor">
+              <a:schemeClr val="tx1"/>
+            </a:fontRef>
+          </p:style>
+          <p:txBody>
+            <a:bodyPr rtlCol="0" anchor="ctr"/>
+            <a:lstStyle/>
+            <a:p>
+              <a:pPr algn="ctr"/>
+              <a:endParaRPr kumimoji="1" lang="ko-Kore-KR" altLang="en-US"/>
+            </a:p>
+          </p:txBody>
+        </p:sp>
+        <p:sp>
+          <p:nvSpPr>
+            <p:cNvPr id="32" name="TextBox 31">
+              <a:extLst>
+                <a:ext uri="{FF2B5EF4-FFF2-40B4-BE49-F238E27FC236}">
+                  <a16:creationId xmlns:a16="http://schemas.microsoft.com/office/drawing/2014/main" id="{1A3B1084-AA86-6142-8999-7E90DB13060E}"/>
+                </a:ext>
+              </a:extLst>
+            </p:cNvPr>
+            <p:cNvSpPr txBox="1"/>
+            <p:nvPr/>
+          </p:nvSpPr>
+          <p:spPr>
+            <a:xfrm>
+              <a:off x="4067326" y="747627"/>
+              <a:ext cx="920467" cy="276999"/>
+            </a:xfrm>
+            <a:prstGeom prst="rect">
+              <a:avLst/>
+            </a:prstGeom>
+            <a:noFill/>
+          </p:spPr>
+          <p:txBody>
+            <a:bodyPr wrap="square" rtlCol="0">
+              <a:spAutoFit/>
+            </a:bodyPr>
+            <a:lstStyle/>
+            <a:p>
+              <a:pPr algn="ctr"/>
+              <a:r>
+                <a:rPr kumimoji="1" lang="en-US" altLang="ko-Kore-KR" sz="1200" b="1" dirty="0">
+                  <a:solidFill>
+                    <a:srgbClr val="5DA2C5"/>
+                  </a:solidFill>
+                  <a:latin typeface="SHeadG" panose="02030600000101010101" pitchFamily="18" charset="-127"/>
+                  <a:ea typeface="SHeadG" panose="02030600000101010101" pitchFamily="18" charset="-127"/>
+                </a:rPr>
+                <a:t>Segment</a:t>
+              </a:r>
+              <a:endParaRPr kumimoji="1" lang="ko-Kore-KR" altLang="en-US" sz="1200" b="1" dirty="0">
+                <a:solidFill>
+                  <a:srgbClr val="5DA2C5"/>
+                </a:solidFill>
+                <a:latin typeface="SHeadG" panose="02030600000101010101" pitchFamily="18" charset="-127"/>
+                <a:ea typeface="SHeadG" panose="02030600000101010101" pitchFamily="18" charset="-127"/>
+              </a:endParaRPr>
+            </a:p>
+          </p:txBody>
+        </p:sp>
+      </p:grpSp>
+      <p:grpSp>
+        <p:nvGrpSpPr>
+          <p:cNvPr id="33" name="그룹 32">
+            <a:extLst>
+              <a:ext uri="{FF2B5EF4-FFF2-40B4-BE49-F238E27FC236}">
+                <a16:creationId xmlns:a16="http://schemas.microsoft.com/office/drawing/2014/main" id="{E56689FD-469F-624C-984E-64052D0B97FA}"/>
+              </a:ext>
+            </a:extLst>
+          </p:cNvPr>
+          <p:cNvGrpSpPr/>
+          <p:nvPr/>
+        </p:nvGrpSpPr>
+        <p:grpSpPr>
+          <a:xfrm>
+            <a:off x="5184390" y="2027926"/>
+            <a:ext cx="1055787" cy="486674"/>
+            <a:chOff x="3999667" y="649173"/>
+            <a:chExt cx="1055787" cy="486674"/>
+          </a:xfrm>
+        </p:grpSpPr>
+        <p:sp>
+          <p:nvSpPr>
+            <p:cNvPr id="34" name="직사각형 33">
+              <a:extLst>
+                <a:ext uri="{FF2B5EF4-FFF2-40B4-BE49-F238E27FC236}">
+                  <a16:creationId xmlns:a16="http://schemas.microsoft.com/office/drawing/2014/main" id="{20A3089F-4CC4-CF41-9CC2-9FAD8F5BF667}"/>
+                </a:ext>
+              </a:extLst>
+            </p:cNvPr>
+            <p:cNvSpPr/>
+            <p:nvPr/>
+          </p:nvSpPr>
+          <p:spPr>
+            <a:xfrm>
+              <a:off x="3999667" y="649173"/>
+              <a:ext cx="1055787" cy="486674"/>
+            </a:xfrm>
+            <a:prstGeom prst="rect">
+              <a:avLst/>
+            </a:prstGeom>
+            <a:ln w="25400">
+              <a:solidFill>
+                <a:srgbClr val="5DA2C5"/>
+              </a:solidFill>
+            </a:ln>
+          </p:spPr>
+          <p:style>
+            <a:lnRef idx="1">
+              <a:schemeClr val="accent1"/>
+            </a:lnRef>
+            <a:fillRef idx="0">
+              <a:schemeClr val="accent1"/>
+            </a:fillRef>
+            <a:effectRef idx="0">
+              <a:schemeClr val="accent1"/>
+            </a:effectRef>
+            <a:fontRef idx="minor">
+              <a:schemeClr val="tx1"/>
+            </a:fontRef>
+          </p:style>
+          <p:txBody>
+            <a:bodyPr rtlCol="0" anchor="ctr"/>
+            <a:lstStyle/>
+            <a:p>
+              <a:pPr algn="ctr"/>
+              <a:endParaRPr kumimoji="1" lang="ko-Kore-KR" altLang="en-US"/>
+            </a:p>
+          </p:txBody>
+        </p:sp>
+        <p:sp>
+          <p:nvSpPr>
+            <p:cNvPr id="35" name="TextBox 34">
+              <a:extLst>
+                <a:ext uri="{FF2B5EF4-FFF2-40B4-BE49-F238E27FC236}">
+                  <a16:creationId xmlns:a16="http://schemas.microsoft.com/office/drawing/2014/main" id="{82309FBF-2C7B-3743-B6F3-953258262518}"/>
+                </a:ext>
+              </a:extLst>
+            </p:cNvPr>
+            <p:cNvSpPr txBox="1"/>
+            <p:nvPr/>
+          </p:nvSpPr>
+          <p:spPr>
+            <a:xfrm>
+              <a:off x="4067326" y="747627"/>
+              <a:ext cx="920467" cy="276999"/>
+            </a:xfrm>
+            <a:prstGeom prst="rect">
+              <a:avLst/>
+            </a:prstGeom>
+            <a:noFill/>
+          </p:spPr>
+          <p:txBody>
+            <a:bodyPr wrap="square" rtlCol="0">
+              <a:spAutoFit/>
+            </a:bodyPr>
+            <a:lstStyle/>
+            <a:p>
+              <a:pPr algn="ctr"/>
+              <a:r>
+                <a:rPr kumimoji="1" lang="en-US" altLang="ko-Kore-KR" sz="1200" b="1" dirty="0">
+                  <a:solidFill>
+                    <a:srgbClr val="5DA2C5"/>
+                  </a:solidFill>
+                  <a:latin typeface="SHeadG" panose="02030600000101010101" pitchFamily="18" charset="-127"/>
+                  <a:ea typeface="SHeadG" panose="02030600000101010101" pitchFamily="18" charset="-127"/>
+                </a:rPr>
+                <a:t>Segment</a:t>
+              </a:r>
+              <a:endParaRPr kumimoji="1" lang="ko-Kore-KR" altLang="en-US" sz="1200" b="1" dirty="0">
+                <a:solidFill>
+                  <a:srgbClr val="5DA2C5"/>
+                </a:solidFill>
+                <a:latin typeface="SHeadG" panose="02030600000101010101" pitchFamily="18" charset="-127"/>
+                <a:ea typeface="SHeadG" panose="02030600000101010101" pitchFamily="18" charset="-127"/>
+              </a:endParaRPr>
+            </a:p>
+          </p:txBody>
+        </p:sp>
+      </p:grpSp>
+      <p:grpSp>
+        <p:nvGrpSpPr>
+          <p:cNvPr id="36" name="그룹 35">
+            <a:extLst>
+              <a:ext uri="{FF2B5EF4-FFF2-40B4-BE49-F238E27FC236}">
+                <a16:creationId xmlns:a16="http://schemas.microsoft.com/office/drawing/2014/main" id="{D11BCB4B-D73E-B548-8A1C-8364424F840D}"/>
+              </a:ext>
+            </a:extLst>
+          </p:cNvPr>
+          <p:cNvGrpSpPr/>
+          <p:nvPr/>
+        </p:nvGrpSpPr>
+        <p:grpSpPr>
+          <a:xfrm>
+            <a:off x="6766197" y="2027926"/>
+            <a:ext cx="1055787" cy="486674"/>
+            <a:chOff x="3999667" y="649173"/>
+            <a:chExt cx="1055787" cy="486674"/>
+          </a:xfrm>
+        </p:grpSpPr>
+        <p:sp>
+          <p:nvSpPr>
+            <p:cNvPr id="37" name="직사각형 36">
+              <a:extLst>
+                <a:ext uri="{FF2B5EF4-FFF2-40B4-BE49-F238E27FC236}">
+                  <a16:creationId xmlns:a16="http://schemas.microsoft.com/office/drawing/2014/main" id="{395EC3EB-A165-9947-AADC-C76ADC4EE0F4}"/>
+                </a:ext>
+              </a:extLst>
+            </p:cNvPr>
+            <p:cNvSpPr/>
+            <p:nvPr/>
+          </p:nvSpPr>
+          <p:spPr>
+            <a:xfrm>
+              <a:off x="3999667" y="649173"/>
+              <a:ext cx="1055787" cy="486674"/>
+            </a:xfrm>
+            <a:prstGeom prst="rect">
+              <a:avLst/>
+            </a:prstGeom>
+            <a:ln w="25400">
+              <a:solidFill>
+                <a:srgbClr val="5DA2C5"/>
+              </a:solidFill>
+            </a:ln>
+          </p:spPr>
+          <p:style>
+            <a:lnRef idx="1">
+              <a:schemeClr val="accent1"/>
+            </a:lnRef>
+            <a:fillRef idx="0">
+              <a:schemeClr val="accent1"/>
+            </a:fillRef>
+            <a:effectRef idx="0">
+              <a:schemeClr val="accent1"/>
+            </a:effectRef>
+            <a:fontRef idx="minor">
+              <a:schemeClr val="tx1"/>
+            </a:fontRef>
+          </p:style>
+          <p:txBody>
+            <a:bodyPr rtlCol="0" anchor="ctr"/>
+            <a:lstStyle/>
+            <a:p>
+              <a:pPr algn="ctr"/>
+              <a:endParaRPr kumimoji="1" lang="ko-Kore-KR" altLang="en-US"/>
+            </a:p>
+          </p:txBody>
+        </p:sp>
+        <p:sp>
+          <p:nvSpPr>
+            <p:cNvPr id="38" name="TextBox 37">
+              <a:extLst>
+                <a:ext uri="{FF2B5EF4-FFF2-40B4-BE49-F238E27FC236}">
+                  <a16:creationId xmlns:a16="http://schemas.microsoft.com/office/drawing/2014/main" id="{2467208C-A30E-6A47-AD00-D454881B7B83}"/>
+                </a:ext>
+              </a:extLst>
+            </p:cNvPr>
+            <p:cNvSpPr txBox="1"/>
+            <p:nvPr/>
+          </p:nvSpPr>
+          <p:spPr>
+            <a:xfrm>
+              <a:off x="4067326" y="747627"/>
+              <a:ext cx="920467" cy="276999"/>
+            </a:xfrm>
+            <a:prstGeom prst="rect">
+              <a:avLst/>
+            </a:prstGeom>
+            <a:noFill/>
+          </p:spPr>
+          <p:txBody>
+            <a:bodyPr wrap="square" rtlCol="0">
+              <a:spAutoFit/>
+            </a:bodyPr>
+            <a:lstStyle/>
+            <a:p>
+              <a:pPr algn="ctr"/>
+              <a:r>
+                <a:rPr kumimoji="1" lang="en-US" altLang="ko-Kore-KR" sz="1200" b="1" dirty="0">
+                  <a:solidFill>
+                    <a:srgbClr val="5DA2C5"/>
+                  </a:solidFill>
+                  <a:latin typeface="SHeadG" panose="02030600000101010101" pitchFamily="18" charset="-127"/>
+                  <a:ea typeface="SHeadG" panose="02030600000101010101" pitchFamily="18" charset="-127"/>
+                </a:rPr>
+                <a:t>Segment</a:t>
+              </a:r>
+              <a:endParaRPr kumimoji="1" lang="ko-Kore-KR" altLang="en-US" sz="1200" b="1" dirty="0">
+                <a:solidFill>
+                  <a:srgbClr val="5DA2C5"/>
+                </a:solidFill>
+                <a:latin typeface="SHeadG" panose="02030600000101010101" pitchFamily="18" charset="-127"/>
+                <a:ea typeface="SHeadG" panose="02030600000101010101" pitchFamily="18" charset="-127"/>
+              </a:endParaRPr>
+            </a:p>
+          </p:txBody>
+        </p:sp>
+      </p:grpSp>
+      <p:cxnSp>
+        <p:nvCxnSpPr>
+          <p:cNvPr id="39" name="직선 연결선[R] 38">
+            <a:extLst>
+              <a:ext uri="{FF2B5EF4-FFF2-40B4-BE49-F238E27FC236}">
+                <a16:creationId xmlns:a16="http://schemas.microsoft.com/office/drawing/2014/main" id="{CD6CC45C-2F8D-DB4A-9B90-638B288AFEEF}"/>
+              </a:ext>
+            </a:extLst>
+          </p:cNvPr>
+          <p:cNvCxnSpPr>
+            <a:cxnSpLocks/>
+          </p:cNvCxnSpPr>
+          <p:nvPr/>
+        </p:nvCxnSpPr>
+        <p:spPr>
+          <a:xfrm>
+            <a:off x="2020776" y="1587062"/>
+            <a:ext cx="0" cy="366298"/>
+          </a:xfrm>
+          <a:prstGeom prst="line">
+            <a:avLst/>
+          </a:prstGeom>
+          <a:ln w="12700">
+            <a:solidFill>
+              <a:srgbClr val="5DA2C5"/>
+            </a:solidFill>
+          </a:ln>
+        </p:spPr>
+        <p:style>
+          <a:lnRef idx="1">
+            <a:schemeClr val="accent1"/>
+          </a:lnRef>
+          <a:fillRef idx="0">
+            <a:schemeClr val="accent1"/>
+          </a:fillRef>
+          <a:effectRef idx="0">
+            <a:schemeClr val="accent1"/>
+          </a:effectRef>
+          <a:fontRef idx="minor">
+            <a:schemeClr val="tx1"/>
+          </a:fontRef>
+        </p:style>
+      </p:cxnSp>
+      <p:cxnSp>
+        <p:nvCxnSpPr>
+          <p:cNvPr id="41" name="직선 연결선[R] 40">
+            <a:extLst>
+              <a:ext uri="{FF2B5EF4-FFF2-40B4-BE49-F238E27FC236}">
+                <a16:creationId xmlns:a16="http://schemas.microsoft.com/office/drawing/2014/main" id="{49C119BB-ABF7-FB49-B1AC-DF39E8FF9657}"/>
+              </a:ext>
+            </a:extLst>
+          </p:cNvPr>
+          <p:cNvCxnSpPr>
+            <a:cxnSpLocks/>
+          </p:cNvCxnSpPr>
+          <p:nvPr/>
+        </p:nvCxnSpPr>
+        <p:spPr>
+          <a:xfrm>
+            <a:off x="9403791" y="1587062"/>
+            <a:ext cx="0" cy="366298"/>
+          </a:xfrm>
+          <a:prstGeom prst="line">
+            <a:avLst/>
+          </a:prstGeom>
+          <a:ln w="12700">
+            <a:solidFill>
+              <a:srgbClr val="5DA2C5"/>
+            </a:solidFill>
+          </a:ln>
+        </p:spPr>
+        <p:style>
+          <a:lnRef idx="1">
+            <a:schemeClr val="accent1"/>
+          </a:lnRef>
+          <a:fillRef idx="0">
+            <a:schemeClr val="accent1"/>
+          </a:fillRef>
+          <a:effectRef idx="0">
+            <a:schemeClr val="accent1"/>
+          </a:effectRef>
+          <a:fontRef idx="minor">
+            <a:schemeClr val="tx1"/>
+          </a:fontRef>
+        </p:style>
+      </p:cxnSp>
+      <p:cxnSp>
+        <p:nvCxnSpPr>
+          <p:cNvPr id="42" name="직선 연결선[R] 41">
+            <a:extLst>
+              <a:ext uri="{FF2B5EF4-FFF2-40B4-BE49-F238E27FC236}">
+                <a16:creationId xmlns:a16="http://schemas.microsoft.com/office/drawing/2014/main" id="{6A48D1C5-85FA-614E-96EE-9641643461F0}"/>
+              </a:ext>
+            </a:extLst>
+          </p:cNvPr>
+          <p:cNvCxnSpPr>
+            <a:cxnSpLocks/>
+          </p:cNvCxnSpPr>
+          <p:nvPr/>
+        </p:nvCxnSpPr>
+        <p:spPr>
+          <a:xfrm>
+            <a:off x="2020776" y="1587062"/>
+            <a:ext cx="7383015" cy="0"/>
+          </a:xfrm>
+          <a:prstGeom prst="line">
+            <a:avLst/>
+          </a:prstGeom>
+          <a:ln w="12700">
+            <a:solidFill>
+              <a:srgbClr val="5DA2C5"/>
+            </a:solidFill>
+          </a:ln>
+        </p:spPr>
+        <p:style>
+          <a:lnRef idx="1">
+            <a:schemeClr val="accent1"/>
+          </a:lnRef>
+          <a:fillRef idx="0">
+            <a:schemeClr val="accent1"/>
+          </a:fillRef>
+          <a:effectRef idx="0">
+            <a:schemeClr val="accent1"/>
+          </a:effectRef>
+          <a:fontRef idx="minor">
+            <a:schemeClr val="tx1"/>
+          </a:fontRef>
+        </p:style>
+      </p:cxnSp>
+      <p:cxnSp>
+        <p:nvCxnSpPr>
+          <p:cNvPr id="45" name="직선 연결선[R] 44">
+            <a:extLst>
+              <a:ext uri="{FF2B5EF4-FFF2-40B4-BE49-F238E27FC236}">
+                <a16:creationId xmlns:a16="http://schemas.microsoft.com/office/drawing/2014/main" id="{49C50B4D-2010-9C4B-A6DA-2E23F4DEC68F}"/>
+              </a:ext>
+            </a:extLst>
+          </p:cNvPr>
+          <p:cNvCxnSpPr>
+            <a:cxnSpLocks/>
+          </p:cNvCxnSpPr>
+          <p:nvPr/>
+        </p:nvCxnSpPr>
+        <p:spPr>
+          <a:xfrm>
+            <a:off x="5767212" y="1397876"/>
+            <a:ext cx="0" cy="189186"/>
+          </a:xfrm>
+          <a:prstGeom prst="line">
+            <a:avLst/>
+          </a:prstGeom>
+          <a:ln w="12700">
+            <a:solidFill>
+              <a:srgbClr val="5DA2C5"/>
+            </a:solidFill>
+          </a:ln>
+        </p:spPr>
+        <p:style>
+          <a:lnRef idx="1">
+            <a:schemeClr val="accent1"/>
+          </a:lnRef>
+          <a:fillRef idx="0">
+            <a:schemeClr val="accent1"/>
+          </a:fillRef>
+          <a:effectRef idx="0">
+            <a:schemeClr val="accent1"/>
+          </a:effectRef>
+          <a:fontRef idx="minor">
+            <a:schemeClr val="tx1"/>
+          </a:fontRef>
+        </p:style>
+      </p:cxnSp>
+      <p:sp>
+        <p:nvSpPr>
+          <p:cNvPr id="49" name="TextBox 48">
+            <a:extLst>
+              <a:ext uri="{FF2B5EF4-FFF2-40B4-BE49-F238E27FC236}">
+                <a16:creationId xmlns:a16="http://schemas.microsoft.com/office/drawing/2014/main" id="{70B63EAA-5F48-8A40-8260-93BBCA7579A5}"/>
+              </a:ext>
+            </a:extLst>
+          </p:cNvPr>
+          <p:cNvSpPr txBox="1"/>
+          <p:nvPr/>
+        </p:nvSpPr>
+        <p:spPr>
+          <a:xfrm>
+            <a:off x="4976308" y="1082265"/>
+            <a:ext cx="1581807" cy="276999"/>
+          </a:xfrm>
+          <a:prstGeom prst="rect">
+            <a:avLst/>
+          </a:prstGeom>
+          <a:noFill/>
+        </p:spPr>
+        <p:txBody>
+          <a:bodyPr wrap="square" rtlCol="0">
+            <a:spAutoFit/>
+          </a:bodyPr>
+          <a:lstStyle/>
+          <a:p>
+            <a:pPr algn="ctr"/>
+            <a:r>
+              <a:rPr kumimoji="1" lang="en-US" altLang="ko-Kore-KR" sz="1200" b="1" dirty="0">
+                <a:solidFill>
+                  <a:srgbClr val="5DA2C5"/>
+                </a:solidFill>
+                <a:latin typeface="SHeadG" panose="02030600000101010101" pitchFamily="18" charset="-127"/>
+                <a:ea typeface="SHeadG" panose="02030600000101010101" pitchFamily="18" charset="-127"/>
+              </a:rPr>
+              <a:t>Commit Point</a:t>
+            </a:r>
+            <a:endParaRPr kumimoji="1" lang="ko-Kore-KR" altLang="en-US" sz="1200" b="1" dirty="0">
+              <a:solidFill>
+                <a:srgbClr val="5DA2C5"/>
+              </a:solidFill>
+              <a:latin typeface="SHeadG" panose="02030600000101010101" pitchFamily="18" charset="-127"/>
+              <a:ea typeface="SHeadG" panose="02030600000101010101" pitchFamily="18" charset="-127"/>
+            </a:endParaRPr>
+          </a:p>
+        </p:txBody>
+      </p:sp>
+      <p:grpSp>
+        <p:nvGrpSpPr>
+          <p:cNvPr id="16" name="그룹 15">
+            <a:extLst>
+              <a:ext uri="{FF2B5EF4-FFF2-40B4-BE49-F238E27FC236}">
+                <a16:creationId xmlns:a16="http://schemas.microsoft.com/office/drawing/2014/main" id="{D6389959-403E-0843-A331-3389081AE9F2}"/>
+              </a:ext>
+            </a:extLst>
+          </p:cNvPr>
+          <p:cNvGrpSpPr/>
+          <p:nvPr/>
+        </p:nvGrpSpPr>
+        <p:grpSpPr>
+          <a:xfrm>
+            <a:off x="8348004" y="2031216"/>
+            <a:ext cx="1055787" cy="486674"/>
+            <a:chOff x="3999667" y="649173"/>
+            <a:chExt cx="1055787" cy="486674"/>
+          </a:xfrm>
+        </p:grpSpPr>
+        <p:sp>
+          <p:nvSpPr>
+            <p:cNvPr id="17" name="직사각형 16">
+              <a:extLst>
+                <a:ext uri="{FF2B5EF4-FFF2-40B4-BE49-F238E27FC236}">
+                  <a16:creationId xmlns:a16="http://schemas.microsoft.com/office/drawing/2014/main" id="{12C72F04-075F-7B4C-AC4E-1B829320B439}"/>
+                </a:ext>
+              </a:extLst>
+            </p:cNvPr>
+            <p:cNvSpPr/>
+            <p:nvPr/>
+          </p:nvSpPr>
+          <p:spPr>
+            <a:xfrm>
+              <a:off x="3999667" y="649173"/>
+              <a:ext cx="1055787" cy="486674"/>
+            </a:xfrm>
+            <a:prstGeom prst="rect">
+              <a:avLst/>
+            </a:prstGeom>
+            <a:ln w="25400">
+              <a:solidFill>
+                <a:srgbClr val="5DA2C5"/>
+              </a:solidFill>
+            </a:ln>
+          </p:spPr>
+          <p:style>
+            <a:lnRef idx="1">
+              <a:schemeClr val="accent1"/>
+            </a:lnRef>
+            <a:fillRef idx="0">
+              <a:schemeClr val="accent1"/>
+            </a:fillRef>
+            <a:effectRef idx="0">
+              <a:schemeClr val="accent1"/>
+            </a:effectRef>
+            <a:fontRef idx="minor">
+              <a:schemeClr val="tx1"/>
+            </a:fontRef>
+          </p:style>
+          <p:txBody>
+            <a:bodyPr rtlCol="0" anchor="ctr"/>
+            <a:lstStyle/>
+            <a:p>
+              <a:pPr algn="ctr"/>
+              <a:endParaRPr kumimoji="1" lang="ko-Kore-KR" altLang="en-US"/>
+            </a:p>
+          </p:txBody>
+        </p:sp>
+        <p:sp>
+          <p:nvSpPr>
+            <p:cNvPr id="18" name="TextBox 17">
+              <a:extLst>
+                <a:ext uri="{FF2B5EF4-FFF2-40B4-BE49-F238E27FC236}">
+                  <a16:creationId xmlns:a16="http://schemas.microsoft.com/office/drawing/2014/main" id="{F82BF2AD-313A-0B41-804E-0917EDBEBB01}"/>
+                </a:ext>
+              </a:extLst>
+            </p:cNvPr>
+            <p:cNvSpPr txBox="1"/>
+            <p:nvPr/>
+          </p:nvSpPr>
+          <p:spPr>
+            <a:xfrm>
+              <a:off x="4067326" y="747627"/>
+              <a:ext cx="920467" cy="276999"/>
+            </a:xfrm>
+            <a:prstGeom prst="rect">
+              <a:avLst/>
+            </a:prstGeom>
+            <a:noFill/>
+          </p:spPr>
+          <p:txBody>
+            <a:bodyPr wrap="square" rtlCol="0">
+              <a:spAutoFit/>
+            </a:bodyPr>
+            <a:lstStyle/>
+            <a:p>
+              <a:pPr algn="ctr"/>
+              <a:r>
+                <a:rPr kumimoji="1" lang="en-US" altLang="ko-Kore-KR" sz="1200" b="1" dirty="0">
+                  <a:solidFill>
+                    <a:srgbClr val="5DA2C5"/>
+                  </a:solidFill>
+                  <a:latin typeface="SHeadG" panose="02030600000101010101" pitchFamily="18" charset="-127"/>
+                  <a:ea typeface="SHeadG" panose="02030600000101010101" pitchFamily="18" charset="-127"/>
+                </a:rPr>
+                <a:t>Segment</a:t>
+              </a:r>
+              <a:endParaRPr kumimoji="1" lang="ko-Kore-KR" altLang="en-US" sz="1200" b="1" dirty="0">
+                <a:solidFill>
+                  <a:srgbClr val="5DA2C5"/>
+                </a:solidFill>
+                <a:latin typeface="SHeadG" panose="02030600000101010101" pitchFamily="18" charset="-127"/>
+                <a:ea typeface="SHeadG" panose="02030600000101010101" pitchFamily="18" charset="-127"/>
+              </a:endParaRPr>
+            </a:p>
+          </p:txBody>
+        </p:sp>
+      </p:grpSp>
+      <p:grpSp>
+        <p:nvGrpSpPr>
+          <p:cNvPr id="19" name="그룹 18">
+            <a:extLst>
+              <a:ext uri="{FF2B5EF4-FFF2-40B4-BE49-F238E27FC236}">
+                <a16:creationId xmlns:a16="http://schemas.microsoft.com/office/drawing/2014/main" id="{AC22ABB7-A600-E343-B432-BC1746793800}"/>
+              </a:ext>
+            </a:extLst>
+          </p:cNvPr>
+          <p:cNvGrpSpPr/>
+          <p:nvPr/>
+        </p:nvGrpSpPr>
+        <p:grpSpPr>
+          <a:xfrm>
+            <a:off x="2020776" y="2027926"/>
+            <a:ext cx="1055787" cy="486674"/>
+            <a:chOff x="3999667" y="649173"/>
+            <a:chExt cx="1055787" cy="486674"/>
+          </a:xfrm>
+        </p:grpSpPr>
+        <p:sp>
+          <p:nvSpPr>
+            <p:cNvPr id="20" name="직사각형 19">
+              <a:extLst>
+                <a:ext uri="{FF2B5EF4-FFF2-40B4-BE49-F238E27FC236}">
+                  <a16:creationId xmlns:a16="http://schemas.microsoft.com/office/drawing/2014/main" id="{0C259738-EDB5-264A-ACDA-D26AFB01159F}"/>
+                </a:ext>
+              </a:extLst>
+            </p:cNvPr>
+            <p:cNvSpPr/>
+            <p:nvPr/>
+          </p:nvSpPr>
+          <p:spPr>
+            <a:xfrm>
+              <a:off x="3999667" y="649173"/>
+              <a:ext cx="1055787" cy="486674"/>
+            </a:xfrm>
+            <a:prstGeom prst="rect">
+              <a:avLst/>
+            </a:prstGeom>
+            <a:ln w="25400">
+              <a:solidFill>
+                <a:srgbClr val="5DA2C5"/>
+              </a:solidFill>
+            </a:ln>
+          </p:spPr>
+          <p:style>
+            <a:lnRef idx="1">
+              <a:schemeClr val="accent1"/>
+            </a:lnRef>
+            <a:fillRef idx="0">
+              <a:schemeClr val="accent1"/>
+            </a:fillRef>
+            <a:effectRef idx="0">
+              <a:schemeClr val="accent1"/>
+            </a:effectRef>
+            <a:fontRef idx="minor">
+              <a:schemeClr val="tx1"/>
+            </a:fontRef>
+          </p:style>
+          <p:txBody>
+            <a:bodyPr rtlCol="0" anchor="ctr"/>
+            <a:lstStyle/>
+            <a:p>
+              <a:pPr algn="ctr"/>
+              <a:endParaRPr kumimoji="1" lang="ko-Kore-KR" altLang="en-US"/>
+            </a:p>
+          </p:txBody>
+        </p:sp>
+        <p:sp>
+          <p:nvSpPr>
+            <p:cNvPr id="21" name="TextBox 20">
+              <a:extLst>
+                <a:ext uri="{FF2B5EF4-FFF2-40B4-BE49-F238E27FC236}">
+                  <a16:creationId xmlns:a16="http://schemas.microsoft.com/office/drawing/2014/main" id="{B0C503FD-06D0-874C-B3E9-AD532B33C90B}"/>
+                </a:ext>
+              </a:extLst>
+            </p:cNvPr>
+            <p:cNvSpPr txBox="1"/>
+            <p:nvPr/>
+          </p:nvSpPr>
+          <p:spPr>
+            <a:xfrm>
+              <a:off x="4067326" y="747627"/>
+              <a:ext cx="920467" cy="276999"/>
+            </a:xfrm>
+            <a:prstGeom prst="rect">
+              <a:avLst/>
+            </a:prstGeom>
+            <a:noFill/>
+          </p:spPr>
+          <p:txBody>
+            <a:bodyPr wrap="square" rtlCol="0">
+              <a:spAutoFit/>
+            </a:bodyPr>
+            <a:lstStyle/>
+            <a:p>
+              <a:pPr algn="ctr"/>
+              <a:r>
+                <a:rPr kumimoji="1" lang="en-US" altLang="ko-Kore-KR" sz="1200" b="1" dirty="0">
+                  <a:solidFill>
+                    <a:srgbClr val="5DA2C5"/>
+                  </a:solidFill>
+                  <a:latin typeface="SHeadG" panose="02030600000101010101" pitchFamily="18" charset="-127"/>
+                  <a:ea typeface="SHeadG" panose="02030600000101010101" pitchFamily="18" charset="-127"/>
+                </a:rPr>
+                <a:t>Segment</a:t>
+              </a:r>
+              <a:endParaRPr kumimoji="1" lang="ko-Kore-KR" altLang="en-US" sz="1200" b="1" dirty="0">
+                <a:solidFill>
+                  <a:srgbClr val="5DA2C5"/>
+                </a:solidFill>
+                <a:latin typeface="SHeadG" panose="02030600000101010101" pitchFamily="18" charset="-127"/>
+                <a:ea typeface="SHeadG" panose="02030600000101010101" pitchFamily="18" charset="-127"/>
+              </a:endParaRPr>
+            </a:p>
+          </p:txBody>
+        </p:sp>
+      </p:grpSp>
+      <p:grpSp>
+        <p:nvGrpSpPr>
+          <p:cNvPr id="22" name="그룹 21">
+            <a:extLst>
+              <a:ext uri="{FF2B5EF4-FFF2-40B4-BE49-F238E27FC236}">
+                <a16:creationId xmlns:a16="http://schemas.microsoft.com/office/drawing/2014/main" id="{A38FA049-3117-3041-BE43-A028DE74ABF6}"/>
+              </a:ext>
+            </a:extLst>
+          </p:cNvPr>
+          <p:cNvGrpSpPr/>
+          <p:nvPr/>
+        </p:nvGrpSpPr>
+        <p:grpSpPr>
+          <a:xfrm>
+            <a:off x="3602583" y="3887687"/>
+            <a:ext cx="1055787" cy="486674"/>
+            <a:chOff x="3999667" y="649173"/>
+            <a:chExt cx="1055787" cy="486674"/>
+          </a:xfrm>
+        </p:grpSpPr>
+        <p:sp>
+          <p:nvSpPr>
+            <p:cNvPr id="23" name="직사각형 22">
+              <a:extLst>
+                <a:ext uri="{FF2B5EF4-FFF2-40B4-BE49-F238E27FC236}">
+                  <a16:creationId xmlns:a16="http://schemas.microsoft.com/office/drawing/2014/main" id="{18543518-5F56-474E-ADBE-59E104BF52C1}"/>
+                </a:ext>
+              </a:extLst>
+            </p:cNvPr>
+            <p:cNvSpPr/>
+            <p:nvPr/>
+          </p:nvSpPr>
+          <p:spPr>
+            <a:xfrm>
+              <a:off x="3999667" y="649173"/>
+              <a:ext cx="1055787" cy="486674"/>
+            </a:xfrm>
+            <a:prstGeom prst="rect">
+              <a:avLst/>
+            </a:prstGeom>
+            <a:ln w="25400">
+              <a:solidFill>
+                <a:srgbClr val="5DA2C5"/>
+              </a:solidFill>
+            </a:ln>
+          </p:spPr>
+          <p:style>
+            <a:lnRef idx="1">
+              <a:schemeClr val="accent1"/>
+            </a:lnRef>
+            <a:fillRef idx="0">
+              <a:schemeClr val="accent1"/>
+            </a:fillRef>
+            <a:effectRef idx="0">
+              <a:schemeClr val="accent1"/>
+            </a:effectRef>
+            <a:fontRef idx="minor">
+              <a:schemeClr val="tx1"/>
+            </a:fontRef>
+          </p:style>
+          <p:txBody>
+            <a:bodyPr rtlCol="0" anchor="ctr"/>
+            <a:lstStyle/>
+            <a:p>
+              <a:pPr algn="ctr"/>
+              <a:endParaRPr kumimoji="1" lang="ko-Kore-KR" altLang="en-US"/>
+            </a:p>
+          </p:txBody>
+        </p:sp>
+        <p:sp>
+          <p:nvSpPr>
+            <p:cNvPr id="24" name="TextBox 23">
+              <a:extLst>
+                <a:ext uri="{FF2B5EF4-FFF2-40B4-BE49-F238E27FC236}">
+                  <a16:creationId xmlns:a16="http://schemas.microsoft.com/office/drawing/2014/main" id="{9DEAC15F-BEA3-EE47-977F-ACC5FDFFC310}"/>
+                </a:ext>
+              </a:extLst>
+            </p:cNvPr>
+            <p:cNvSpPr txBox="1"/>
+            <p:nvPr/>
+          </p:nvSpPr>
+          <p:spPr>
+            <a:xfrm>
+              <a:off x="4067326" y="747627"/>
+              <a:ext cx="920467" cy="276999"/>
+            </a:xfrm>
+            <a:prstGeom prst="rect">
+              <a:avLst/>
+            </a:prstGeom>
+            <a:noFill/>
+          </p:spPr>
+          <p:txBody>
+            <a:bodyPr wrap="square" rtlCol="0">
+              <a:spAutoFit/>
+            </a:bodyPr>
+            <a:lstStyle/>
+            <a:p>
+              <a:pPr algn="ctr"/>
+              <a:r>
+                <a:rPr kumimoji="1" lang="en-US" altLang="ko-Kore-KR" sz="1200" b="1" dirty="0">
+                  <a:solidFill>
+                    <a:srgbClr val="5DA2C5"/>
+                  </a:solidFill>
+                  <a:latin typeface="SHeadG" panose="02030600000101010101" pitchFamily="18" charset="-127"/>
+                  <a:ea typeface="SHeadG" panose="02030600000101010101" pitchFamily="18" charset="-127"/>
+                </a:rPr>
+                <a:t>Segment</a:t>
+              </a:r>
+              <a:endParaRPr kumimoji="1" lang="ko-Kore-KR" altLang="en-US" sz="1200" b="1" dirty="0">
+                <a:solidFill>
+                  <a:srgbClr val="5DA2C5"/>
+                </a:solidFill>
+                <a:latin typeface="SHeadG" panose="02030600000101010101" pitchFamily="18" charset="-127"/>
+                <a:ea typeface="SHeadG" panose="02030600000101010101" pitchFamily="18" charset="-127"/>
+              </a:endParaRPr>
+            </a:p>
+          </p:txBody>
+        </p:sp>
+      </p:grpSp>
+      <p:grpSp>
+        <p:nvGrpSpPr>
+          <p:cNvPr id="28" name="그룹 27">
+            <a:extLst>
+              <a:ext uri="{FF2B5EF4-FFF2-40B4-BE49-F238E27FC236}">
+                <a16:creationId xmlns:a16="http://schemas.microsoft.com/office/drawing/2014/main" id="{41560289-A905-3345-973B-909CE791C384}"/>
+              </a:ext>
+            </a:extLst>
+          </p:cNvPr>
+          <p:cNvGrpSpPr/>
+          <p:nvPr/>
+        </p:nvGrpSpPr>
+        <p:grpSpPr>
+          <a:xfrm>
+            <a:off x="6766197" y="3887687"/>
+            <a:ext cx="1055787" cy="486674"/>
+            <a:chOff x="3999667" y="649173"/>
+            <a:chExt cx="1055787" cy="486674"/>
+          </a:xfrm>
+        </p:grpSpPr>
+        <p:sp>
+          <p:nvSpPr>
+            <p:cNvPr id="29" name="직사각형 28">
+              <a:extLst>
+                <a:ext uri="{FF2B5EF4-FFF2-40B4-BE49-F238E27FC236}">
+                  <a16:creationId xmlns:a16="http://schemas.microsoft.com/office/drawing/2014/main" id="{EFBAB573-FA49-FC49-90E8-92FE99F3EC16}"/>
+                </a:ext>
+              </a:extLst>
+            </p:cNvPr>
+            <p:cNvSpPr/>
+            <p:nvPr/>
+          </p:nvSpPr>
+          <p:spPr>
+            <a:xfrm>
+              <a:off x="3999667" y="649173"/>
+              <a:ext cx="1055787" cy="486674"/>
+            </a:xfrm>
+            <a:prstGeom prst="rect">
+              <a:avLst/>
+            </a:prstGeom>
+            <a:ln w="25400">
+              <a:solidFill>
+                <a:srgbClr val="5DA2C5"/>
+              </a:solidFill>
+            </a:ln>
+          </p:spPr>
+          <p:style>
+            <a:lnRef idx="1">
+              <a:schemeClr val="accent1"/>
+            </a:lnRef>
+            <a:fillRef idx="0">
+              <a:schemeClr val="accent1"/>
+            </a:fillRef>
+            <a:effectRef idx="0">
+              <a:schemeClr val="accent1"/>
+            </a:effectRef>
+            <a:fontRef idx="minor">
+              <a:schemeClr val="tx1"/>
+            </a:fontRef>
+          </p:style>
+          <p:txBody>
+            <a:bodyPr rtlCol="0" anchor="ctr"/>
+            <a:lstStyle/>
+            <a:p>
+              <a:pPr algn="ctr"/>
+              <a:endParaRPr kumimoji="1" lang="ko-Kore-KR" altLang="en-US"/>
+            </a:p>
+          </p:txBody>
+        </p:sp>
+        <p:sp>
+          <p:nvSpPr>
+            <p:cNvPr id="40" name="TextBox 39">
+              <a:extLst>
+                <a:ext uri="{FF2B5EF4-FFF2-40B4-BE49-F238E27FC236}">
+                  <a16:creationId xmlns:a16="http://schemas.microsoft.com/office/drawing/2014/main" id="{E4AC5BFC-D74F-7C4A-916C-3BBBCDFFD820}"/>
+                </a:ext>
+              </a:extLst>
+            </p:cNvPr>
+            <p:cNvSpPr txBox="1"/>
+            <p:nvPr/>
+          </p:nvSpPr>
+          <p:spPr>
+            <a:xfrm>
+              <a:off x="4067326" y="747627"/>
+              <a:ext cx="920467" cy="276999"/>
+            </a:xfrm>
+            <a:prstGeom prst="rect">
+              <a:avLst/>
+            </a:prstGeom>
+            <a:noFill/>
+          </p:spPr>
+          <p:txBody>
+            <a:bodyPr wrap="square" rtlCol="0">
+              <a:spAutoFit/>
+            </a:bodyPr>
+            <a:lstStyle/>
+            <a:p>
+              <a:pPr algn="ctr"/>
+              <a:r>
+                <a:rPr kumimoji="1" lang="en-US" altLang="ko-Kore-KR" sz="1200" b="1" dirty="0">
+                  <a:solidFill>
+                    <a:srgbClr val="5DA2C5"/>
+                  </a:solidFill>
+                  <a:latin typeface="SHeadG" panose="02030600000101010101" pitchFamily="18" charset="-127"/>
+                  <a:ea typeface="SHeadG" panose="02030600000101010101" pitchFamily="18" charset="-127"/>
+                </a:rPr>
+                <a:t>Segment</a:t>
+              </a:r>
+              <a:endParaRPr kumimoji="1" lang="ko-Kore-KR" altLang="en-US" sz="1200" b="1" dirty="0">
+                <a:solidFill>
+                  <a:srgbClr val="5DA2C5"/>
+                </a:solidFill>
+                <a:latin typeface="SHeadG" panose="02030600000101010101" pitchFamily="18" charset="-127"/>
+                <a:ea typeface="SHeadG" panose="02030600000101010101" pitchFamily="18" charset="-127"/>
+              </a:endParaRPr>
+            </a:p>
+          </p:txBody>
+        </p:sp>
+      </p:grpSp>
+      <p:cxnSp>
+        <p:nvCxnSpPr>
+          <p:cNvPr id="43" name="직선 연결선[R] 42">
+            <a:extLst>
+              <a:ext uri="{FF2B5EF4-FFF2-40B4-BE49-F238E27FC236}">
+                <a16:creationId xmlns:a16="http://schemas.microsoft.com/office/drawing/2014/main" id="{62CBD920-4F5F-8D4A-B688-49F458A64D3F}"/>
+              </a:ext>
+            </a:extLst>
+          </p:cNvPr>
+          <p:cNvCxnSpPr>
+            <a:cxnSpLocks/>
+          </p:cNvCxnSpPr>
+          <p:nvPr/>
+        </p:nvCxnSpPr>
+        <p:spPr>
+          <a:xfrm>
+            <a:off x="3602583" y="3446823"/>
+            <a:ext cx="0" cy="366298"/>
+          </a:xfrm>
+          <a:prstGeom prst="line">
+            <a:avLst/>
+          </a:prstGeom>
+          <a:ln w="12700">
+            <a:solidFill>
+              <a:srgbClr val="5DA2C5"/>
+            </a:solidFill>
+          </a:ln>
+        </p:spPr>
+        <p:style>
+          <a:lnRef idx="1">
+            <a:schemeClr val="accent1"/>
+          </a:lnRef>
+          <a:fillRef idx="0">
+            <a:schemeClr val="accent1"/>
+          </a:fillRef>
+          <a:effectRef idx="0">
+            <a:schemeClr val="accent1"/>
+          </a:effectRef>
+          <a:fontRef idx="minor">
+            <a:schemeClr val="tx1"/>
+          </a:fontRef>
+        </p:style>
+      </p:cxnSp>
+      <p:cxnSp>
+        <p:nvCxnSpPr>
+          <p:cNvPr id="44" name="직선 연결선[R] 43">
+            <a:extLst>
+              <a:ext uri="{FF2B5EF4-FFF2-40B4-BE49-F238E27FC236}">
+                <a16:creationId xmlns:a16="http://schemas.microsoft.com/office/drawing/2014/main" id="{5E5ED364-B3E6-AE44-8D60-1DE87CE14C3B}"/>
+              </a:ext>
+            </a:extLst>
+          </p:cNvPr>
+          <p:cNvCxnSpPr>
+            <a:cxnSpLocks/>
+          </p:cNvCxnSpPr>
+          <p:nvPr/>
+        </p:nvCxnSpPr>
+        <p:spPr>
+          <a:xfrm>
+            <a:off x="7821984" y="3446823"/>
+            <a:ext cx="0" cy="366298"/>
+          </a:xfrm>
+          <a:prstGeom prst="line">
+            <a:avLst/>
+          </a:prstGeom>
+          <a:ln w="12700">
+            <a:solidFill>
+              <a:srgbClr val="5DA2C5"/>
+            </a:solidFill>
+          </a:ln>
+        </p:spPr>
+        <p:style>
+          <a:lnRef idx="1">
+            <a:schemeClr val="accent1"/>
+          </a:lnRef>
+          <a:fillRef idx="0">
+            <a:schemeClr val="accent1"/>
+          </a:fillRef>
+          <a:effectRef idx="0">
+            <a:schemeClr val="accent1"/>
+          </a:effectRef>
+          <a:fontRef idx="minor">
+            <a:schemeClr val="tx1"/>
+          </a:fontRef>
+        </p:style>
+      </p:cxnSp>
+      <p:cxnSp>
+        <p:nvCxnSpPr>
+          <p:cNvPr id="46" name="직선 연결선[R] 45">
+            <a:extLst>
+              <a:ext uri="{FF2B5EF4-FFF2-40B4-BE49-F238E27FC236}">
+                <a16:creationId xmlns:a16="http://schemas.microsoft.com/office/drawing/2014/main" id="{D579F3F0-4886-5043-8A7E-2BF5A12B64A3}"/>
+              </a:ext>
+            </a:extLst>
+          </p:cNvPr>
+          <p:cNvCxnSpPr>
+            <a:cxnSpLocks/>
+          </p:cNvCxnSpPr>
+          <p:nvPr/>
+        </p:nvCxnSpPr>
+        <p:spPr>
+          <a:xfrm>
+            <a:off x="3602583" y="3446823"/>
+            <a:ext cx="4219401" cy="0"/>
+          </a:xfrm>
+          <a:prstGeom prst="line">
+            <a:avLst/>
+          </a:prstGeom>
+          <a:ln w="12700">
+            <a:solidFill>
+              <a:srgbClr val="5DA2C5"/>
+            </a:solidFill>
+          </a:ln>
+        </p:spPr>
+        <p:style>
+          <a:lnRef idx="1">
+            <a:schemeClr val="accent1"/>
+          </a:lnRef>
+          <a:fillRef idx="0">
+            <a:schemeClr val="accent1"/>
+          </a:fillRef>
+          <a:effectRef idx="0">
+            <a:schemeClr val="accent1"/>
+          </a:effectRef>
+          <a:fontRef idx="minor">
+            <a:schemeClr val="tx1"/>
+          </a:fontRef>
+        </p:style>
+      </p:cxnSp>
+      <p:cxnSp>
+        <p:nvCxnSpPr>
+          <p:cNvPr id="47" name="직선 연결선[R] 46">
+            <a:extLst>
+              <a:ext uri="{FF2B5EF4-FFF2-40B4-BE49-F238E27FC236}">
+                <a16:creationId xmlns:a16="http://schemas.microsoft.com/office/drawing/2014/main" id="{0E65AA36-9357-1542-A3D9-B6410D26C241}"/>
+              </a:ext>
+            </a:extLst>
+          </p:cNvPr>
+          <p:cNvCxnSpPr>
+            <a:cxnSpLocks/>
+          </p:cNvCxnSpPr>
+          <p:nvPr/>
+        </p:nvCxnSpPr>
+        <p:spPr>
+          <a:xfrm>
+            <a:off x="5767212" y="3257637"/>
+            <a:ext cx="0" cy="189186"/>
+          </a:xfrm>
+          <a:prstGeom prst="line">
+            <a:avLst/>
+          </a:prstGeom>
+          <a:ln w="12700">
+            <a:solidFill>
+              <a:srgbClr val="5DA2C5"/>
+            </a:solidFill>
+          </a:ln>
+        </p:spPr>
+        <p:style>
+          <a:lnRef idx="1">
+            <a:schemeClr val="accent1"/>
+          </a:lnRef>
+          <a:fillRef idx="0">
+            <a:schemeClr val="accent1"/>
+          </a:fillRef>
+          <a:effectRef idx="0">
+            <a:schemeClr val="accent1"/>
+          </a:effectRef>
+          <a:fontRef idx="minor">
+            <a:schemeClr val="tx1"/>
+          </a:fontRef>
+        </p:style>
+      </p:cxnSp>
+      <p:sp>
+        <p:nvSpPr>
+          <p:cNvPr id="48" name="TextBox 47">
+            <a:extLst>
+              <a:ext uri="{FF2B5EF4-FFF2-40B4-BE49-F238E27FC236}">
+                <a16:creationId xmlns:a16="http://schemas.microsoft.com/office/drawing/2014/main" id="{31A7A167-489A-494F-9FE8-B96CDC0BABE8}"/>
+              </a:ext>
+            </a:extLst>
+          </p:cNvPr>
+          <p:cNvSpPr txBox="1"/>
+          <p:nvPr/>
+        </p:nvSpPr>
+        <p:spPr>
+          <a:xfrm>
+            <a:off x="4976308" y="2942026"/>
+            <a:ext cx="1581807" cy="276999"/>
+          </a:xfrm>
+          <a:prstGeom prst="rect">
+            <a:avLst/>
+          </a:prstGeom>
+          <a:noFill/>
+        </p:spPr>
+        <p:txBody>
+          <a:bodyPr wrap="square" rtlCol="0">
+            <a:spAutoFit/>
+          </a:bodyPr>
+          <a:lstStyle/>
+          <a:p>
+            <a:pPr algn="ctr"/>
+            <a:r>
+              <a:rPr kumimoji="1" lang="en-US" altLang="ko-Kore-KR" sz="1200" b="1" dirty="0">
+                <a:solidFill>
+                  <a:srgbClr val="5DA2C5"/>
+                </a:solidFill>
+                <a:latin typeface="SHeadG" panose="02030600000101010101" pitchFamily="18" charset="-127"/>
+                <a:ea typeface="SHeadG" panose="02030600000101010101" pitchFamily="18" charset="-127"/>
+              </a:rPr>
+              <a:t>Commit Point</a:t>
+            </a:r>
+            <a:endParaRPr kumimoji="1" lang="ko-Kore-KR" altLang="en-US" sz="1200" b="1" dirty="0">
+              <a:solidFill>
+                <a:srgbClr val="5DA2C5"/>
+              </a:solidFill>
+              <a:latin typeface="SHeadG" panose="02030600000101010101" pitchFamily="18" charset="-127"/>
+              <a:ea typeface="SHeadG" panose="02030600000101010101" pitchFamily="18" charset="-127"/>
+            </a:endParaRPr>
+          </a:p>
+        </p:txBody>
+      </p:sp>
+      <p:grpSp>
+        <p:nvGrpSpPr>
+          <p:cNvPr id="50" name="그룹 49">
+            <a:extLst>
+              <a:ext uri="{FF2B5EF4-FFF2-40B4-BE49-F238E27FC236}">
+                <a16:creationId xmlns:a16="http://schemas.microsoft.com/office/drawing/2014/main" id="{0BB12286-C304-7543-A63F-F66A38D51A51}"/>
+              </a:ext>
+            </a:extLst>
+          </p:cNvPr>
+          <p:cNvGrpSpPr/>
+          <p:nvPr/>
+        </p:nvGrpSpPr>
+        <p:grpSpPr>
+          <a:xfrm>
+            <a:off x="5184388" y="3891801"/>
+            <a:ext cx="1055787" cy="486674"/>
+            <a:chOff x="3999667" y="649173"/>
+            <a:chExt cx="1055787" cy="486674"/>
+          </a:xfrm>
+        </p:grpSpPr>
+        <p:sp>
+          <p:nvSpPr>
+            <p:cNvPr id="51" name="직사각형 50">
+              <a:extLst>
+                <a:ext uri="{FF2B5EF4-FFF2-40B4-BE49-F238E27FC236}">
+                  <a16:creationId xmlns:a16="http://schemas.microsoft.com/office/drawing/2014/main" id="{9B27DD0B-C130-4049-B985-C51B8E88B297}"/>
+                </a:ext>
+              </a:extLst>
+            </p:cNvPr>
+            <p:cNvSpPr/>
+            <p:nvPr/>
+          </p:nvSpPr>
+          <p:spPr>
+            <a:xfrm>
+              <a:off x="3999667" y="649173"/>
+              <a:ext cx="1055787" cy="486674"/>
+            </a:xfrm>
+            <a:prstGeom prst="rect">
+              <a:avLst/>
+            </a:prstGeom>
+            <a:ln w="25400">
+              <a:solidFill>
+                <a:srgbClr val="5DA2C5"/>
+              </a:solidFill>
+            </a:ln>
+          </p:spPr>
+          <p:style>
+            <a:lnRef idx="1">
+              <a:schemeClr val="accent1"/>
+            </a:lnRef>
+            <a:fillRef idx="0">
+              <a:schemeClr val="accent1"/>
+            </a:fillRef>
+            <a:effectRef idx="0">
+              <a:schemeClr val="accent1"/>
+            </a:effectRef>
+            <a:fontRef idx="minor">
+              <a:schemeClr val="tx1"/>
+            </a:fontRef>
+          </p:style>
+          <p:txBody>
+            <a:bodyPr rtlCol="0" anchor="ctr"/>
+            <a:lstStyle/>
+            <a:p>
+              <a:pPr algn="ctr"/>
+              <a:endParaRPr kumimoji="1" lang="ko-Kore-KR" altLang="en-US"/>
+            </a:p>
+          </p:txBody>
+        </p:sp>
+        <p:sp>
+          <p:nvSpPr>
+            <p:cNvPr id="52" name="TextBox 51">
+              <a:extLst>
+                <a:ext uri="{FF2B5EF4-FFF2-40B4-BE49-F238E27FC236}">
+                  <a16:creationId xmlns:a16="http://schemas.microsoft.com/office/drawing/2014/main" id="{28B0479B-27B6-D745-A4F1-62B777F773BF}"/>
+                </a:ext>
+              </a:extLst>
+            </p:cNvPr>
+            <p:cNvSpPr txBox="1"/>
+            <p:nvPr/>
+          </p:nvSpPr>
+          <p:spPr>
+            <a:xfrm>
+              <a:off x="4067326" y="747627"/>
+              <a:ext cx="920467" cy="276999"/>
+            </a:xfrm>
+            <a:prstGeom prst="rect">
+              <a:avLst/>
+            </a:prstGeom>
+            <a:noFill/>
+          </p:spPr>
+          <p:txBody>
+            <a:bodyPr wrap="square" rtlCol="0">
+              <a:spAutoFit/>
+            </a:bodyPr>
+            <a:lstStyle/>
+            <a:p>
+              <a:pPr algn="ctr"/>
+              <a:r>
+                <a:rPr kumimoji="1" lang="en-US" altLang="ko-Kore-KR" sz="1200" b="1" dirty="0">
+                  <a:solidFill>
+                    <a:srgbClr val="5DA2C5"/>
+                  </a:solidFill>
+                  <a:latin typeface="SHeadG" panose="02030600000101010101" pitchFamily="18" charset="-127"/>
+                  <a:ea typeface="SHeadG" panose="02030600000101010101" pitchFamily="18" charset="-127"/>
+                </a:rPr>
+                <a:t>Segment</a:t>
+              </a:r>
+              <a:endParaRPr kumimoji="1" lang="ko-Kore-KR" altLang="en-US" sz="1200" b="1" dirty="0">
+                <a:solidFill>
+                  <a:srgbClr val="5DA2C5"/>
+                </a:solidFill>
+                <a:latin typeface="SHeadG" panose="02030600000101010101" pitchFamily="18" charset="-127"/>
+                <a:ea typeface="SHeadG" panose="02030600000101010101" pitchFamily="18" charset="-127"/>
+              </a:endParaRPr>
+            </a:p>
+          </p:txBody>
+        </p:sp>
+      </p:grpSp>
+      <p:cxnSp>
+        <p:nvCxnSpPr>
+          <p:cNvPr id="64" name="직선 연결선[R] 63">
+            <a:extLst>
+              <a:ext uri="{FF2B5EF4-FFF2-40B4-BE49-F238E27FC236}">
+                <a16:creationId xmlns:a16="http://schemas.microsoft.com/office/drawing/2014/main" id="{5E5BFFDC-8138-6B40-85EE-CCA3C22174B4}"/>
+              </a:ext>
+            </a:extLst>
+          </p:cNvPr>
+          <p:cNvCxnSpPr>
+            <a:cxnSpLocks/>
+          </p:cNvCxnSpPr>
+          <p:nvPr/>
+        </p:nvCxnSpPr>
+        <p:spPr>
+          <a:xfrm>
+            <a:off x="5184388" y="5306596"/>
+            <a:ext cx="0" cy="366298"/>
+          </a:xfrm>
+          <a:prstGeom prst="line">
+            <a:avLst/>
+          </a:prstGeom>
+          <a:ln w="12700">
+            <a:solidFill>
+              <a:srgbClr val="5DA2C5"/>
+            </a:solidFill>
+          </a:ln>
+        </p:spPr>
+        <p:style>
+          <a:lnRef idx="1">
+            <a:schemeClr val="accent1"/>
+          </a:lnRef>
+          <a:fillRef idx="0">
+            <a:schemeClr val="accent1"/>
+          </a:fillRef>
+          <a:effectRef idx="0">
+            <a:schemeClr val="accent1"/>
+          </a:effectRef>
+          <a:fontRef idx="minor">
+            <a:schemeClr val="tx1"/>
+          </a:fontRef>
+        </p:style>
+      </p:cxnSp>
+      <p:cxnSp>
+        <p:nvCxnSpPr>
+          <p:cNvPr id="65" name="직선 연결선[R] 64">
+            <a:extLst>
+              <a:ext uri="{FF2B5EF4-FFF2-40B4-BE49-F238E27FC236}">
+                <a16:creationId xmlns:a16="http://schemas.microsoft.com/office/drawing/2014/main" id="{EA9AD69E-A2EC-564B-9E28-8A825135A1CC}"/>
+              </a:ext>
+            </a:extLst>
+          </p:cNvPr>
+          <p:cNvCxnSpPr>
+            <a:cxnSpLocks/>
+          </p:cNvCxnSpPr>
+          <p:nvPr/>
+        </p:nvCxnSpPr>
+        <p:spPr>
+          <a:xfrm>
+            <a:off x="6240175" y="5306596"/>
+            <a:ext cx="0" cy="366298"/>
+          </a:xfrm>
+          <a:prstGeom prst="line">
+            <a:avLst/>
+          </a:prstGeom>
+          <a:ln w="12700">
+            <a:solidFill>
+              <a:srgbClr val="5DA2C5"/>
+            </a:solidFill>
+          </a:ln>
+        </p:spPr>
+        <p:style>
+          <a:lnRef idx="1">
+            <a:schemeClr val="accent1"/>
+          </a:lnRef>
+          <a:fillRef idx="0">
+            <a:schemeClr val="accent1"/>
+          </a:fillRef>
+          <a:effectRef idx="0">
+            <a:schemeClr val="accent1"/>
+          </a:effectRef>
+          <a:fontRef idx="minor">
+            <a:schemeClr val="tx1"/>
+          </a:fontRef>
+        </p:style>
+      </p:cxnSp>
+      <p:cxnSp>
+        <p:nvCxnSpPr>
+          <p:cNvPr id="66" name="직선 연결선[R] 65">
+            <a:extLst>
+              <a:ext uri="{FF2B5EF4-FFF2-40B4-BE49-F238E27FC236}">
+                <a16:creationId xmlns:a16="http://schemas.microsoft.com/office/drawing/2014/main" id="{20BF8D87-1D5D-D846-BA83-A77047357F9F}"/>
+              </a:ext>
+            </a:extLst>
+          </p:cNvPr>
+          <p:cNvCxnSpPr>
+            <a:cxnSpLocks/>
+          </p:cNvCxnSpPr>
+          <p:nvPr/>
+        </p:nvCxnSpPr>
+        <p:spPr>
+          <a:xfrm>
+            <a:off x="5184388" y="5306596"/>
+            <a:ext cx="1055787" cy="0"/>
+          </a:xfrm>
+          <a:prstGeom prst="line">
+            <a:avLst/>
+          </a:prstGeom>
+          <a:ln w="12700">
+            <a:solidFill>
+              <a:srgbClr val="5DA2C5"/>
+            </a:solidFill>
+          </a:ln>
+        </p:spPr>
+        <p:style>
+          <a:lnRef idx="1">
+            <a:schemeClr val="accent1"/>
+          </a:lnRef>
+          <a:fillRef idx="0">
+            <a:schemeClr val="accent1"/>
+          </a:fillRef>
+          <a:effectRef idx="0">
+            <a:schemeClr val="accent1"/>
+          </a:effectRef>
+          <a:fontRef idx="minor">
+            <a:schemeClr val="tx1"/>
+          </a:fontRef>
+        </p:style>
+      </p:cxnSp>
+      <p:cxnSp>
+        <p:nvCxnSpPr>
+          <p:cNvPr id="67" name="직선 연결선[R] 66">
+            <a:extLst>
+              <a:ext uri="{FF2B5EF4-FFF2-40B4-BE49-F238E27FC236}">
+                <a16:creationId xmlns:a16="http://schemas.microsoft.com/office/drawing/2014/main" id="{0DB01DBF-8094-174A-A373-3491ED988A04}"/>
+              </a:ext>
+            </a:extLst>
+          </p:cNvPr>
+          <p:cNvCxnSpPr>
+            <a:cxnSpLocks/>
+          </p:cNvCxnSpPr>
+          <p:nvPr/>
+        </p:nvCxnSpPr>
+        <p:spPr>
+          <a:xfrm>
+            <a:off x="5767212" y="5117410"/>
+            <a:ext cx="0" cy="189186"/>
+          </a:xfrm>
+          <a:prstGeom prst="line">
+            <a:avLst/>
+          </a:prstGeom>
+          <a:ln w="12700">
+            <a:solidFill>
+              <a:srgbClr val="5DA2C5"/>
+            </a:solidFill>
+          </a:ln>
+        </p:spPr>
+        <p:style>
+          <a:lnRef idx="1">
+            <a:schemeClr val="accent1"/>
+          </a:lnRef>
+          <a:fillRef idx="0">
+            <a:schemeClr val="accent1"/>
+          </a:fillRef>
+          <a:effectRef idx="0">
+            <a:schemeClr val="accent1"/>
+          </a:effectRef>
+          <a:fontRef idx="minor">
+            <a:schemeClr val="tx1"/>
+          </a:fontRef>
+        </p:style>
+      </p:cxnSp>
+      <p:sp>
+        <p:nvSpPr>
+          <p:cNvPr id="68" name="TextBox 67">
+            <a:extLst>
+              <a:ext uri="{FF2B5EF4-FFF2-40B4-BE49-F238E27FC236}">
+                <a16:creationId xmlns:a16="http://schemas.microsoft.com/office/drawing/2014/main" id="{0A959A55-689D-C142-895F-A18A5A391965}"/>
+              </a:ext>
+            </a:extLst>
+          </p:cNvPr>
+          <p:cNvSpPr txBox="1"/>
+          <p:nvPr/>
+        </p:nvSpPr>
+        <p:spPr>
+          <a:xfrm>
+            <a:off x="4976308" y="4801799"/>
+            <a:ext cx="1581807" cy="276999"/>
+          </a:xfrm>
+          <a:prstGeom prst="rect">
+            <a:avLst/>
+          </a:prstGeom>
+          <a:noFill/>
+        </p:spPr>
+        <p:txBody>
+          <a:bodyPr wrap="square" rtlCol="0">
+            <a:spAutoFit/>
+          </a:bodyPr>
+          <a:lstStyle/>
+          <a:p>
+            <a:pPr algn="ctr"/>
+            <a:r>
+              <a:rPr kumimoji="1" lang="en-US" altLang="ko-Kore-KR" sz="1200" b="1" dirty="0">
+                <a:solidFill>
+                  <a:srgbClr val="5DA2C5"/>
+                </a:solidFill>
+                <a:latin typeface="SHeadG" panose="02030600000101010101" pitchFamily="18" charset="-127"/>
+                <a:ea typeface="SHeadG" panose="02030600000101010101" pitchFamily="18" charset="-127"/>
+              </a:rPr>
+              <a:t>Commit Point</a:t>
+            </a:r>
+            <a:endParaRPr kumimoji="1" lang="ko-Kore-KR" altLang="en-US" sz="1200" b="1" dirty="0">
+              <a:solidFill>
+                <a:srgbClr val="5DA2C5"/>
+              </a:solidFill>
+              <a:latin typeface="SHeadG" panose="02030600000101010101" pitchFamily="18" charset="-127"/>
+              <a:ea typeface="SHeadG" panose="02030600000101010101" pitchFamily="18" charset="-127"/>
+            </a:endParaRPr>
+          </a:p>
+        </p:txBody>
+      </p:sp>
+      <p:grpSp>
+        <p:nvGrpSpPr>
+          <p:cNvPr id="69" name="그룹 68">
+            <a:extLst>
+              <a:ext uri="{FF2B5EF4-FFF2-40B4-BE49-F238E27FC236}">
+                <a16:creationId xmlns:a16="http://schemas.microsoft.com/office/drawing/2014/main" id="{8205434C-61ED-8B46-897B-751CA75BA14E}"/>
+              </a:ext>
+            </a:extLst>
+          </p:cNvPr>
+          <p:cNvGrpSpPr/>
+          <p:nvPr/>
+        </p:nvGrpSpPr>
+        <p:grpSpPr>
+          <a:xfrm>
+            <a:off x="5184388" y="5751574"/>
+            <a:ext cx="1055787" cy="486674"/>
+            <a:chOff x="3999667" y="649173"/>
+            <a:chExt cx="1055787" cy="486674"/>
+          </a:xfrm>
+        </p:grpSpPr>
+        <p:sp>
+          <p:nvSpPr>
+            <p:cNvPr id="70" name="직사각형 69">
+              <a:extLst>
+                <a:ext uri="{FF2B5EF4-FFF2-40B4-BE49-F238E27FC236}">
+                  <a16:creationId xmlns:a16="http://schemas.microsoft.com/office/drawing/2014/main" id="{66C7A73D-E9D2-0243-ADB6-427AD4141721}"/>
+                </a:ext>
+              </a:extLst>
+            </p:cNvPr>
+            <p:cNvSpPr/>
+            <p:nvPr/>
+          </p:nvSpPr>
+          <p:spPr>
+            <a:xfrm>
+              <a:off x="3999667" y="649173"/>
+              <a:ext cx="1055787" cy="486674"/>
+            </a:xfrm>
+            <a:prstGeom prst="rect">
+              <a:avLst/>
+            </a:prstGeom>
+            <a:ln w="25400">
+              <a:solidFill>
+                <a:srgbClr val="5DA2C5"/>
+              </a:solidFill>
+            </a:ln>
+          </p:spPr>
+          <p:style>
+            <a:lnRef idx="1">
+              <a:schemeClr val="accent1"/>
+            </a:lnRef>
+            <a:fillRef idx="0">
+              <a:schemeClr val="accent1"/>
+            </a:fillRef>
+            <a:effectRef idx="0">
+              <a:schemeClr val="accent1"/>
+            </a:effectRef>
+            <a:fontRef idx="minor">
+              <a:schemeClr val="tx1"/>
+            </a:fontRef>
+          </p:style>
+          <p:txBody>
+            <a:bodyPr rtlCol="0" anchor="ctr"/>
+            <a:lstStyle/>
+            <a:p>
+              <a:pPr algn="ctr"/>
+              <a:endParaRPr kumimoji="1" lang="ko-Kore-KR" altLang="en-US"/>
+            </a:p>
+          </p:txBody>
+        </p:sp>
+        <p:sp>
+          <p:nvSpPr>
+            <p:cNvPr id="71" name="TextBox 70">
+              <a:extLst>
+                <a:ext uri="{FF2B5EF4-FFF2-40B4-BE49-F238E27FC236}">
+                  <a16:creationId xmlns:a16="http://schemas.microsoft.com/office/drawing/2014/main" id="{DF1DC1BB-7390-6E41-8A41-BB1F90C4EECC}"/>
+                </a:ext>
+              </a:extLst>
+            </p:cNvPr>
+            <p:cNvSpPr txBox="1"/>
+            <p:nvPr/>
+          </p:nvSpPr>
+          <p:spPr>
+            <a:xfrm>
+              <a:off x="4067326" y="747627"/>
+              <a:ext cx="920467" cy="276999"/>
+            </a:xfrm>
+            <a:prstGeom prst="rect">
+              <a:avLst/>
+            </a:prstGeom>
+            <a:noFill/>
+          </p:spPr>
+          <p:txBody>
+            <a:bodyPr wrap="square" rtlCol="0">
+              <a:spAutoFit/>
+            </a:bodyPr>
+            <a:lstStyle/>
+            <a:p>
+              <a:pPr algn="ctr"/>
+              <a:r>
+                <a:rPr kumimoji="1" lang="en-US" altLang="ko-Kore-KR" sz="1200" b="1" dirty="0">
+                  <a:solidFill>
+                    <a:srgbClr val="5DA2C5"/>
+                  </a:solidFill>
+                  <a:latin typeface="SHeadG" panose="02030600000101010101" pitchFamily="18" charset="-127"/>
+                  <a:ea typeface="SHeadG" panose="02030600000101010101" pitchFamily="18" charset="-127"/>
+                </a:rPr>
+                <a:t>Segment</a:t>
+              </a:r>
+              <a:endParaRPr kumimoji="1" lang="ko-Kore-KR" altLang="en-US" sz="1200" b="1" dirty="0">
+                <a:solidFill>
+                  <a:srgbClr val="5DA2C5"/>
+                </a:solidFill>
+                <a:latin typeface="SHeadG" panose="02030600000101010101" pitchFamily="18" charset="-127"/>
+                <a:ea typeface="SHeadG" panose="02030600000101010101" pitchFamily="18" charset="-127"/>
+              </a:endParaRPr>
+            </a:p>
+          </p:txBody>
+        </p:sp>
+      </p:grpSp>
+    </p:spTree>
+    <p:extLst>
+      <p:ext uri="{BB962C8B-B14F-4D97-AF65-F5344CB8AC3E}">
+        <p14:creationId xmlns:p14="http://schemas.microsoft.com/office/powerpoint/2010/main" val="168883398"/>
       </p:ext>
     </p:extLst>
   </p:cSld>
